--- a/CS269PresentationOwnOptimFunction.pptx
+++ b/CS269PresentationOwnOptimFunction.pptx
@@ -14,11 +14,9 @@
     <p:sldId id="267" r:id="rId8"/>
     <p:sldId id="269" r:id="rId9"/>
     <p:sldId id="270" r:id="rId10"/>
-    <p:sldId id="271" r:id="rId11"/>
-    <p:sldId id="272" r:id="rId12"/>
-    <p:sldId id="273" r:id="rId13"/>
-    <p:sldId id="274" r:id="rId14"/>
-    <p:sldId id="268" r:id="rId15"/>
+    <p:sldId id="272" r:id="rId11"/>
+    <p:sldId id="273" r:id="rId12"/>
+    <p:sldId id="268" r:id="rId13"/>
   </p:sldIdLst>
   <p:sldSz cx="12192000" cy="6858000"/>
   <p:notesSz cx="6858000" cy="9144000"/>
@@ -256,7 +254,7 @@
           <a:p>
             <a:fld id="{2044D494-11AD-436B-8B9C-B061291A35EE}" type="datetimeFigureOut">
               <a:rPr lang="en-US" smtClean="0"/>
-              <a:t>4/20/2019</a:t>
+              <a:t>4/22/2019</a:t>
             </a:fld>
             <a:endParaRPr lang="en-US"/>
           </a:p>
@@ -426,7 +424,7 @@
           <a:p>
             <a:fld id="{2044D494-11AD-436B-8B9C-B061291A35EE}" type="datetimeFigureOut">
               <a:rPr lang="en-US" smtClean="0"/>
-              <a:t>4/20/2019</a:t>
+              <a:t>4/22/2019</a:t>
             </a:fld>
             <a:endParaRPr lang="en-US"/>
           </a:p>
@@ -606,7 +604,7 @@
           <a:p>
             <a:fld id="{2044D494-11AD-436B-8B9C-B061291A35EE}" type="datetimeFigureOut">
               <a:rPr lang="en-US" smtClean="0"/>
-              <a:t>4/20/2019</a:t>
+              <a:t>4/22/2019</a:t>
             </a:fld>
             <a:endParaRPr lang="en-US"/>
           </a:p>
@@ -776,7 +774,7 @@
           <a:p>
             <a:fld id="{2044D494-11AD-436B-8B9C-B061291A35EE}" type="datetimeFigureOut">
               <a:rPr lang="en-US" smtClean="0"/>
-              <a:t>4/20/2019</a:t>
+              <a:t>4/22/2019</a:t>
             </a:fld>
             <a:endParaRPr lang="en-US"/>
           </a:p>
@@ -1022,7 +1020,7 @@
           <a:p>
             <a:fld id="{2044D494-11AD-436B-8B9C-B061291A35EE}" type="datetimeFigureOut">
               <a:rPr lang="en-US" smtClean="0"/>
-              <a:t>4/20/2019</a:t>
+              <a:t>4/22/2019</a:t>
             </a:fld>
             <a:endParaRPr lang="en-US"/>
           </a:p>
@@ -1254,7 +1252,7 @@
           <a:p>
             <a:fld id="{2044D494-11AD-436B-8B9C-B061291A35EE}" type="datetimeFigureOut">
               <a:rPr lang="en-US" smtClean="0"/>
-              <a:t>4/20/2019</a:t>
+              <a:t>4/22/2019</a:t>
             </a:fld>
             <a:endParaRPr lang="en-US"/>
           </a:p>
@@ -1621,7 +1619,7 @@
           <a:p>
             <a:fld id="{2044D494-11AD-436B-8B9C-B061291A35EE}" type="datetimeFigureOut">
               <a:rPr lang="en-US" smtClean="0"/>
-              <a:t>4/20/2019</a:t>
+              <a:t>4/22/2019</a:t>
             </a:fld>
             <a:endParaRPr lang="en-US"/>
           </a:p>
@@ -1739,7 +1737,7 @@
           <a:p>
             <a:fld id="{2044D494-11AD-436B-8B9C-B061291A35EE}" type="datetimeFigureOut">
               <a:rPr lang="en-US" smtClean="0"/>
-              <a:t>4/20/2019</a:t>
+              <a:t>4/22/2019</a:t>
             </a:fld>
             <a:endParaRPr lang="en-US"/>
           </a:p>
@@ -1834,7 +1832,7 @@
           <a:p>
             <a:fld id="{2044D494-11AD-436B-8B9C-B061291A35EE}" type="datetimeFigureOut">
               <a:rPr lang="en-US" smtClean="0"/>
-              <a:t>4/20/2019</a:t>
+              <a:t>4/22/2019</a:t>
             </a:fld>
             <a:endParaRPr lang="en-US"/>
           </a:p>
@@ -2111,7 +2109,7 @@
           <a:p>
             <a:fld id="{2044D494-11AD-436B-8B9C-B061291A35EE}" type="datetimeFigureOut">
               <a:rPr lang="en-US" smtClean="0"/>
-              <a:t>4/20/2019</a:t>
+              <a:t>4/22/2019</a:t>
             </a:fld>
             <a:endParaRPr lang="en-US"/>
           </a:p>
@@ -2364,7 +2362,7 @@
           <a:p>
             <a:fld id="{2044D494-11AD-436B-8B9C-B061291A35EE}" type="datetimeFigureOut">
               <a:rPr lang="en-US" smtClean="0"/>
-              <a:t>4/20/2019</a:t>
+              <a:t>4/22/2019</a:t>
             </a:fld>
             <a:endParaRPr lang="en-US"/>
           </a:p>
@@ -2577,7 +2575,7 @@
           <a:p>
             <a:fld id="{2044D494-11AD-436B-8B9C-B061291A35EE}" type="datetimeFigureOut">
               <a:rPr lang="en-US" smtClean="0"/>
-              <a:t>4/20/2019</a:t>
+              <a:t>4/22/2019</a:t>
             </a:fld>
             <a:endParaRPr lang="en-US"/>
           </a:p>
@@ -3080,20 +3078,52 @@
           <a:chExt cx="0" cy="0"/>
         </a:xfrm>
       </p:grpSpPr>
+      <p:sp>
+        <p:nvSpPr>
+          <p:cNvPr id="5" name="TextBox 4"/>
+          <p:cNvSpPr txBox="1"/>
+          <p:nvPr/>
+        </p:nvSpPr>
+        <p:spPr>
+          <a:xfrm>
+            <a:off x="884418" y="622093"/>
+            <a:ext cx="4324663" cy="830997"/>
+          </a:xfrm>
+          <a:prstGeom prst="rect">
+            <a:avLst/>
+          </a:prstGeom>
+          <a:noFill/>
+        </p:spPr>
+        <p:txBody>
+          <a:bodyPr wrap="square" rtlCol="0">
+            <a:spAutoFit/>
+          </a:bodyPr>
+          <a:lstStyle/>
+          <a:p>
+            <a:r>
+              <a:rPr lang="en-US" sz="2400" dirty="0" smtClean="0"/>
+              <a:t>Initialize some values for w, x, y</a:t>
+            </a:r>
+          </a:p>
+          <a:p>
+            <a:r>
+              <a:rPr lang="en-US" sz="2400" dirty="0" smtClean="0"/>
+              <a:t>Define the optimizer. </a:t>
+            </a:r>
+            <a:endParaRPr lang="en-US" sz="2400" dirty="0"/>
+          </a:p>
+        </p:txBody>
+      </p:sp>
       <p:pic>
         <p:nvPicPr>
           <p:cNvPr id="6" name="Picture 5"/>
           <p:cNvPicPr>
             <a:picLocks noChangeAspect="1"/>
           </p:cNvPicPr>
-          <p:nvPr>
-            <p:custDataLst>
-              <p:tags r:id="rId1"/>
-            </p:custDataLst>
-          </p:nvPr>
+          <p:nvPr/>
         </p:nvPicPr>
         <p:blipFill>
-          <a:blip r:embed="rId3" cstate="print">
+          <a:blip r:embed="rId2">
             <a:extLst>
               <a:ext uri="{28A0092B-C50C-407E-A947-70E740481C1C}">
                 <a14:useLocalDpi xmlns:a14="http://schemas.microsoft.com/office/drawing/2010/main" val="0"/>
@@ -3106,24 +3136,92 @@
         </p:blipFill>
         <p:spPr>
           <a:xfrm>
-            <a:off x="883147" y="796831"/>
-            <a:ext cx="1912184" cy="360211"/>
+            <a:off x="992605" y="1979603"/>
+            <a:ext cx="8183117" cy="3858163"/>
           </a:xfrm>
           <a:prstGeom prst="rect">
             <a:avLst/>
           </a:prstGeom>
         </p:spPr>
       </p:pic>
+    </p:spTree>
+    <p:extLst>
+      <p:ext uri="{BB962C8B-B14F-4D97-AF65-F5344CB8AC3E}">
+        <p14:creationId xmlns:p14="http://schemas.microsoft.com/office/powerpoint/2010/main" val="2630263684"/>
+      </p:ext>
+    </p:extLst>
+  </p:cSld>
+  <p:clrMapOvr>
+    <a:masterClrMapping/>
+  </p:clrMapOvr>
+  <p:timing>
+    <p:tnLst>
+      <p:par>
+        <p:cTn id="1" dur="indefinite" restart="never" nodeType="tmRoot"/>
+      </p:par>
+    </p:tnLst>
+  </p:timing>
+</p:sld>
+</file>
+
+<file path=ppt/slides/slide11.xml><?xml version="1.0" encoding="utf-8"?>
+<p:sld xmlns:a="http://schemas.openxmlformats.org/drawingml/2006/main" xmlns:r="http://schemas.openxmlformats.org/officeDocument/2006/relationships" xmlns:p="http://schemas.openxmlformats.org/presentationml/2006/main">
+  <p:cSld>
+    <p:spTree>
+      <p:nvGrpSpPr>
+        <p:cNvPr id="1" name=""/>
+        <p:cNvGrpSpPr/>
+        <p:nvPr/>
+      </p:nvGrpSpPr>
+      <p:grpSpPr>
+        <a:xfrm>
+          <a:off x="0" y="0"/>
+          <a:ext cx="0" cy="0"/>
+          <a:chOff x="0" y="0"/>
+          <a:chExt cx="0" cy="0"/>
+        </a:xfrm>
+      </p:grpSpPr>
+      <p:sp>
+        <p:nvSpPr>
+          <p:cNvPr id="3" name="Content Placeholder 2"/>
+          <p:cNvSpPr>
+            <a:spLocks noGrp="1"/>
+          </p:cNvSpPr>
+          <p:nvPr>
+            <p:ph idx="1"/>
+          </p:nvPr>
+        </p:nvSpPr>
+        <p:spPr>
+          <a:xfrm>
+            <a:off x="755753" y="611422"/>
+            <a:ext cx="10515600" cy="520336"/>
+          </a:xfrm>
+        </p:spPr>
+        <p:txBody>
+          <a:bodyPr/>
+          <a:lstStyle/>
+          <a:p>
+            <a:pPr marL="0" indent="0">
+              <a:buNone/>
+            </a:pPr>
+            <a:r>
+              <a:rPr lang="en-US" dirty="0" smtClean="0"/>
+              <a:t>Do the optimization</a:t>
+            </a:r>
+            <a:endParaRPr lang="en-US" dirty="0"/>
+          </a:p>
+        </p:txBody>
+      </p:sp>
       <p:pic>
         <p:nvPicPr>
-          <p:cNvPr id="7" name="Picture 6"/>
+          <p:cNvPr id="5" name="Picture 4"/>
           <p:cNvPicPr>
             <a:picLocks noChangeAspect="1"/>
           </p:cNvPicPr>
           <p:nvPr/>
         </p:nvPicPr>
         <p:blipFill>
-          <a:blip r:embed="rId4">
+          <a:blip r:embed="rId2">
             <a:extLst>
               <a:ext uri="{28A0092B-C50C-407E-A947-70E740481C1C}">
                 <a14:useLocalDpi xmlns:a14="http://schemas.microsoft.com/office/drawing/2010/main" val="0"/>
@@ -3136,18 +3234,269 @@
         </p:blipFill>
         <p:spPr>
           <a:xfrm>
-            <a:off x="883147" y="1724834"/>
-            <a:ext cx="4887007" cy="2943636"/>
+            <a:off x="851656" y="1590269"/>
+            <a:ext cx="8249801" cy="2448267"/>
           </a:xfrm>
           <a:prstGeom prst="rect">
             <a:avLst/>
           </a:prstGeom>
         </p:spPr>
       </p:pic>
+      <p:grpSp>
+        <p:nvGrpSpPr>
+          <p:cNvPr id="8" name="Group 7"/>
+          <p:cNvGrpSpPr/>
+          <p:nvPr/>
+        </p:nvGrpSpPr>
+        <p:grpSpPr>
+          <a:xfrm>
+            <a:off x="755753" y="3967843"/>
+            <a:ext cx="8877300" cy="1918608"/>
+            <a:chOff x="755753" y="3967843"/>
+            <a:chExt cx="8877300" cy="1918608"/>
+          </a:xfrm>
+        </p:grpSpPr>
+        <p:sp>
+          <p:nvSpPr>
+            <p:cNvPr id="4" name="Content Placeholder 2"/>
+            <p:cNvSpPr txBox="1">
+              <a:spLocks/>
+            </p:cNvSpPr>
+            <p:nvPr/>
+          </p:nvSpPr>
+          <p:spPr>
+            <a:xfrm>
+              <a:off x="755753" y="4692859"/>
+              <a:ext cx="8877300" cy="1193592"/>
+            </a:xfrm>
+            <a:prstGeom prst="rect">
+              <a:avLst/>
+            </a:prstGeom>
+          </p:spPr>
+          <p:txBody>
+            <a:bodyPr vert="horz" lIns="91440" tIns="45720" rIns="91440" bIns="45720" rtlCol="0">
+              <a:normAutofit/>
+            </a:bodyPr>
+            <a:lstStyle>
+              <a:lvl1pPr marL="228600" indent="-228600" algn="l" defTabSz="914400" rtl="0" eaLnBrk="1" latinLnBrk="0" hangingPunct="1">
+                <a:lnSpc>
+                  <a:spcPct val="90000"/>
+                </a:lnSpc>
+                <a:spcBef>
+                  <a:spcPts val="1000"/>
+                </a:spcBef>
+                <a:buFont typeface="Arial" panose="020B0604020202020204" pitchFamily="34" charset="0"/>
+                <a:buChar char="•"/>
+                <a:defRPr sz="2800" kern="1200">
+                  <a:solidFill>
+                    <a:schemeClr val="tx1"/>
+                  </a:solidFill>
+                  <a:latin typeface="+mn-lt"/>
+                  <a:ea typeface="+mn-ea"/>
+                  <a:cs typeface="+mn-cs"/>
+                </a:defRPr>
+              </a:lvl1pPr>
+              <a:lvl2pPr marL="685800" indent="-228600" algn="l" defTabSz="914400" rtl="0" eaLnBrk="1" latinLnBrk="0" hangingPunct="1">
+                <a:lnSpc>
+                  <a:spcPct val="90000"/>
+                </a:lnSpc>
+                <a:spcBef>
+                  <a:spcPts val="500"/>
+                </a:spcBef>
+                <a:buFont typeface="Arial" panose="020B0604020202020204" pitchFamily="34" charset="0"/>
+                <a:buChar char="•"/>
+                <a:defRPr sz="2400" kern="1200">
+                  <a:solidFill>
+                    <a:schemeClr val="tx1"/>
+                  </a:solidFill>
+                  <a:latin typeface="+mn-lt"/>
+                  <a:ea typeface="+mn-ea"/>
+                  <a:cs typeface="+mn-cs"/>
+                </a:defRPr>
+              </a:lvl2pPr>
+              <a:lvl3pPr marL="1143000" indent="-228600" algn="l" defTabSz="914400" rtl="0" eaLnBrk="1" latinLnBrk="0" hangingPunct="1">
+                <a:lnSpc>
+                  <a:spcPct val="90000"/>
+                </a:lnSpc>
+                <a:spcBef>
+                  <a:spcPts val="500"/>
+                </a:spcBef>
+                <a:buFont typeface="Arial" panose="020B0604020202020204" pitchFamily="34" charset="0"/>
+                <a:buChar char="•"/>
+                <a:defRPr sz="2000" kern="1200">
+                  <a:solidFill>
+                    <a:schemeClr val="tx1"/>
+                  </a:solidFill>
+                  <a:latin typeface="+mn-lt"/>
+                  <a:ea typeface="+mn-ea"/>
+                  <a:cs typeface="+mn-cs"/>
+                </a:defRPr>
+              </a:lvl3pPr>
+              <a:lvl4pPr marL="1600200" indent="-228600" algn="l" defTabSz="914400" rtl="0" eaLnBrk="1" latinLnBrk="0" hangingPunct="1">
+                <a:lnSpc>
+                  <a:spcPct val="90000"/>
+                </a:lnSpc>
+                <a:spcBef>
+                  <a:spcPts val="500"/>
+                </a:spcBef>
+                <a:buFont typeface="Arial" panose="020B0604020202020204" pitchFamily="34" charset="0"/>
+                <a:buChar char="•"/>
+                <a:defRPr sz="1800" kern="1200">
+                  <a:solidFill>
+                    <a:schemeClr val="tx1"/>
+                  </a:solidFill>
+                  <a:latin typeface="+mn-lt"/>
+                  <a:ea typeface="+mn-ea"/>
+                  <a:cs typeface="+mn-cs"/>
+                </a:defRPr>
+              </a:lvl4pPr>
+              <a:lvl5pPr marL="2057400" indent="-228600" algn="l" defTabSz="914400" rtl="0" eaLnBrk="1" latinLnBrk="0" hangingPunct="1">
+                <a:lnSpc>
+                  <a:spcPct val="90000"/>
+                </a:lnSpc>
+                <a:spcBef>
+                  <a:spcPts val="500"/>
+                </a:spcBef>
+                <a:buFont typeface="Arial" panose="020B0604020202020204" pitchFamily="34" charset="0"/>
+                <a:buChar char="•"/>
+                <a:defRPr sz="1800" kern="1200">
+                  <a:solidFill>
+                    <a:schemeClr val="tx1"/>
+                  </a:solidFill>
+                  <a:latin typeface="+mn-lt"/>
+                  <a:ea typeface="+mn-ea"/>
+                  <a:cs typeface="+mn-cs"/>
+                </a:defRPr>
+              </a:lvl5pPr>
+              <a:lvl6pPr marL="2514600" indent="-228600" algn="l" defTabSz="914400" rtl="0" eaLnBrk="1" latinLnBrk="0" hangingPunct="1">
+                <a:lnSpc>
+                  <a:spcPct val="90000"/>
+                </a:lnSpc>
+                <a:spcBef>
+                  <a:spcPts val="500"/>
+                </a:spcBef>
+                <a:buFont typeface="Arial" panose="020B0604020202020204" pitchFamily="34" charset="0"/>
+                <a:buChar char="•"/>
+                <a:defRPr sz="1800" kern="1200">
+                  <a:solidFill>
+                    <a:schemeClr val="tx1"/>
+                  </a:solidFill>
+                  <a:latin typeface="+mn-lt"/>
+                  <a:ea typeface="+mn-ea"/>
+                  <a:cs typeface="+mn-cs"/>
+                </a:defRPr>
+              </a:lvl6pPr>
+              <a:lvl7pPr marL="2971800" indent="-228600" algn="l" defTabSz="914400" rtl="0" eaLnBrk="1" latinLnBrk="0" hangingPunct="1">
+                <a:lnSpc>
+                  <a:spcPct val="90000"/>
+                </a:lnSpc>
+                <a:spcBef>
+                  <a:spcPts val="500"/>
+                </a:spcBef>
+                <a:buFont typeface="Arial" panose="020B0604020202020204" pitchFamily="34" charset="0"/>
+                <a:buChar char="•"/>
+                <a:defRPr sz="1800" kern="1200">
+                  <a:solidFill>
+                    <a:schemeClr val="tx1"/>
+                  </a:solidFill>
+                  <a:latin typeface="+mn-lt"/>
+                  <a:ea typeface="+mn-ea"/>
+                  <a:cs typeface="+mn-cs"/>
+                </a:defRPr>
+              </a:lvl7pPr>
+              <a:lvl8pPr marL="3429000" indent="-228600" algn="l" defTabSz="914400" rtl="0" eaLnBrk="1" latinLnBrk="0" hangingPunct="1">
+                <a:lnSpc>
+                  <a:spcPct val="90000"/>
+                </a:lnSpc>
+                <a:spcBef>
+                  <a:spcPts val="500"/>
+                </a:spcBef>
+                <a:buFont typeface="Arial" panose="020B0604020202020204" pitchFamily="34" charset="0"/>
+                <a:buChar char="•"/>
+                <a:defRPr sz="1800" kern="1200">
+                  <a:solidFill>
+                    <a:schemeClr val="tx1"/>
+                  </a:solidFill>
+                  <a:latin typeface="+mn-lt"/>
+                  <a:ea typeface="+mn-ea"/>
+                  <a:cs typeface="+mn-cs"/>
+                </a:defRPr>
+              </a:lvl8pPr>
+              <a:lvl9pPr marL="3886200" indent="-228600" algn="l" defTabSz="914400" rtl="0" eaLnBrk="1" latinLnBrk="0" hangingPunct="1">
+                <a:lnSpc>
+                  <a:spcPct val="90000"/>
+                </a:lnSpc>
+                <a:spcBef>
+                  <a:spcPts val="500"/>
+                </a:spcBef>
+                <a:buFont typeface="Arial" panose="020B0604020202020204" pitchFamily="34" charset="0"/>
+                <a:buChar char="•"/>
+                <a:defRPr sz="1800" kern="1200">
+                  <a:solidFill>
+                    <a:schemeClr val="tx1"/>
+                  </a:solidFill>
+                  <a:latin typeface="+mn-lt"/>
+                  <a:ea typeface="+mn-ea"/>
+                  <a:cs typeface="+mn-cs"/>
+                </a:defRPr>
+              </a:lvl9pPr>
+            </a:lstStyle>
+            <a:p>
+              <a:r>
+                <a:rPr lang="en-US" dirty="0" smtClean="0"/>
+                <a:t>y is not strictly 0 or 1 because of gradient descent. </a:t>
+              </a:r>
+            </a:p>
+            <a:p>
+              <a:r>
+                <a:rPr lang="en-US" dirty="0" smtClean="0"/>
+                <a:t>You can heuristically round output y to nearest 0 or 1. </a:t>
+              </a:r>
+              <a:endParaRPr lang="en-US" dirty="0"/>
+            </a:p>
+          </p:txBody>
+        </p:sp>
+        <p:cxnSp>
+          <p:nvCxnSpPr>
+            <p:cNvPr id="6" name="Straight Arrow Connector 5"/>
+            <p:cNvCxnSpPr/>
+            <p:nvPr/>
+          </p:nvCxnSpPr>
+          <p:spPr>
+            <a:xfrm flipV="1">
+              <a:off x="3156155" y="3967843"/>
+              <a:ext cx="3424" cy="643486"/>
+            </a:xfrm>
+            <a:prstGeom prst="straightConnector1">
+              <a:avLst/>
+            </a:prstGeom>
+            <a:ln w="38100">
+              <a:solidFill>
+                <a:srgbClr val="FF0000"/>
+              </a:solidFill>
+              <a:tailEnd type="triangle"/>
+            </a:ln>
+          </p:spPr>
+          <p:style>
+            <a:lnRef idx="1">
+              <a:schemeClr val="accent1"/>
+            </a:lnRef>
+            <a:fillRef idx="0">
+              <a:schemeClr val="accent1"/>
+            </a:fillRef>
+            <a:effectRef idx="0">
+              <a:schemeClr val="accent1"/>
+            </a:effectRef>
+            <a:fontRef idx="minor">
+              <a:schemeClr val="tx1"/>
+            </a:fontRef>
+          </p:style>
+        </p:cxnSp>
+      </p:grpSp>
     </p:spTree>
     <p:extLst>
       <p:ext uri="{BB962C8B-B14F-4D97-AF65-F5344CB8AC3E}">
-        <p14:creationId xmlns:p14="http://schemas.microsoft.com/office/powerpoint/2010/main" val="710145250"/>
+        <p14:creationId xmlns:p14="http://schemas.microsoft.com/office/powerpoint/2010/main" val="2621819374"/>
       </p:ext>
     </p:extLst>
   </p:cSld>
@@ -3188,7 +3537,7 @@
                                           </p:stCondLst>
                                         </p:cTn>
                                         <p:tgtEl>
-                                          <p:spTgt spid="6"/>
+                                          <p:spTgt spid="8"/>
                                         </p:tgtEl>
                                         <p:attrNameLst>
                                           <p:attrName>style.visibility</p:attrName>
@@ -3232,102 +3581,6 @@
 </p:sld>
 </file>
 
-<file path=ppt/slides/slide11.xml><?xml version="1.0" encoding="utf-8"?>
-<p:sld xmlns:a="http://schemas.openxmlformats.org/drawingml/2006/main" xmlns:r="http://schemas.openxmlformats.org/officeDocument/2006/relationships" xmlns:p="http://schemas.openxmlformats.org/presentationml/2006/main">
-  <p:cSld>
-    <p:spTree>
-      <p:nvGrpSpPr>
-        <p:cNvPr id="1" name=""/>
-        <p:cNvGrpSpPr/>
-        <p:nvPr/>
-      </p:nvGrpSpPr>
-      <p:grpSpPr>
-        <a:xfrm>
-          <a:off x="0" y="0"/>
-          <a:ext cx="0" cy="0"/>
-          <a:chOff x="0" y="0"/>
-          <a:chExt cx="0" cy="0"/>
-        </a:xfrm>
-      </p:grpSpPr>
-      <p:sp>
-        <p:nvSpPr>
-          <p:cNvPr id="5" name="TextBox 4"/>
-          <p:cNvSpPr txBox="1"/>
-          <p:nvPr/>
-        </p:nvSpPr>
-        <p:spPr>
-          <a:xfrm>
-            <a:off x="884418" y="622093"/>
-            <a:ext cx="4324663" cy="830997"/>
-          </a:xfrm>
-          <a:prstGeom prst="rect">
-            <a:avLst/>
-          </a:prstGeom>
-          <a:noFill/>
-        </p:spPr>
-        <p:txBody>
-          <a:bodyPr wrap="square" rtlCol="0">
-            <a:spAutoFit/>
-          </a:bodyPr>
-          <a:lstStyle/>
-          <a:p>
-            <a:r>
-              <a:rPr lang="en-US" sz="2400" dirty="0" smtClean="0"/>
-              <a:t>Initialize some values for w, x, y</a:t>
-            </a:r>
-          </a:p>
-          <a:p>
-            <a:r>
-              <a:rPr lang="en-US" sz="2400" dirty="0" smtClean="0"/>
-              <a:t>Define the optimizer. </a:t>
-            </a:r>
-            <a:endParaRPr lang="en-US" sz="2400" dirty="0"/>
-          </a:p>
-        </p:txBody>
-      </p:sp>
-      <p:pic>
-        <p:nvPicPr>
-          <p:cNvPr id="6" name="Picture 5"/>
-          <p:cNvPicPr>
-            <a:picLocks noChangeAspect="1"/>
-          </p:cNvPicPr>
-          <p:nvPr/>
-        </p:nvPicPr>
-        <p:blipFill>
-          <a:blip r:embed="rId2">
-            <a:extLst>
-              <a:ext uri="{28A0092B-C50C-407E-A947-70E740481C1C}">
-                <a14:useLocalDpi xmlns:a14="http://schemas.microsoft.com/office/drawing/2010/main" val="0"/>
-              </a:ext>
-            </a:extLst>
-          </a:blip>
-          <a:stretch>
-            <a:fillRect/>
-          </a:stretch>
-        </p:blipFill>
-        <p:spPr>
-          <a:xfrm>
-            <a:off x="992605" y="1979603"/>
-            <a:ext cx="8183117" cy="3858163"/>
-          </a:xfrm>
-          <a:prstGeom prst="rect">
-            <a:avLst/>
-          </a:prstGeom>
-        </p:spPr>
-      </p:pic>
-    </p:spTree>
-    <p:extLst>
-      <p:ext uri="{BB962C8B-B14F-4D97-AF65-F5344CB8AC3E}">
-        <p14:creationId xmlns:p14="http://schemas.microsoft.com/office/powerpoint/2010/main" val="2630263684"/>
-      </p:ext>
-    </p:extLst>
-  </p:cSld>
-  <p:clrMapOvr>
-    <a:masterClrMapping/>
-  </p:clrMapOvr>
-</p:sld>
-</file>
-
 <file path=ppt/slides/slide12.xml><?xml version="1.0" encoding="utf-8"?>
 <p:sld xmlns:a="http://schemas.openxmlformats.org/drawingml/2006/main" xmlns:r="http://schemas.openxmlformats.org/officeDocument/2006/relationships" xmlns:p="http://schemas.openxmlformats.org/presentationml/2006/main">
   <p:cSld>
@@ -3347,177 +3600,6 @@
       </p:grpSpPr>
       <p:sp>
         <p:nvSpPr>
-          <p:cNvPr id="3" name="Content Placeholder 2"/>
-          <p:cNvSpPr>
-            <a:spLocks noGrp="1"/>
-          </p:cNvSpPr>
-          <p:nvPr>
-            <p:ph idx="1"/>
-          </p:nvPr>
-        </p:nvSpPr>
-        <p:spPr>
-          <a:xfrm>
-            <a:off x="755753" y="611422"/>
-            <a:ext cx="10515600" cy="520336"/>
-          </a:xfrm>
-        </p:spPr>
-        <p:txBody>
-          <a:bodyPr/>
-          <a:lstStyle/>
-          <a:p>
-            <a:pPr marL="0" indent="0">
-              <a:buNone/>
-            </a:pPr>
-            <a:r>
-              <a:rPr lang="en-US" dirty="0" smtClean="0"/>
-              <a:t>Do the optimization</a:t>
-            </a:r>
-            <a:endParaRPr lang="en-US" dirty="0"/>
-          </a:p>
-        </p:txBody>
-      </p:sp>
-      <p:pic>
-        <p:nvPicPr>
-          <p:cNvPr id="5" name="Picture 4"/>
-          <p:cNvPicPr>
-            <a:picLocks noChangeAspect="1"/>
-          </p:cNvPicPr>
-          <p:nvPr/>
-        </p:nvPicPr>
-        <p:blipFill>
-          <a:blip r:embed="rId2">
-            <a:extLst>
-              <a:ext uri="{28A0092B-C50C-407E-A947-70E740481C1C}">
-                <a14:useLocalDpi xmlns:a14="http://schemas.microsoft.com/office/drawing/2010/main" val="0"/>
-              </a:ext>
-            </a:extLst>
-          </a:blip>
-          <a:stretch>
-            <a:fillRect/>
-          </a:stretch>
-        </p:blipFill>
-        <p:spPr>
-          <a:xfrm>
-            <a:off x="884312" y="1590269"/>
-            <a:ext cx="8249801" cy="2448267"/>
-          </a:xfrm>
-          <a:prstGeom prst="rect">
-            <a:avLst/>
-          </a:prstGeom>
-        </p:spPr>
-      </p:pic>
-    </p:spTree>
-    <p:extLst>
-      <p:ext uri="{BB962C8B-B14F-4D97-AF65-F5344CB8AC3E}">
-        <p14:creationId xmlns:p14="http://schemas.microsoft.com/office/powerpoint/2010/main" val="2621819374"/>
-      </p:ext>
-    </p:extLst>
-  </p:cSld>
-  <p:clrMapOvr>
-    <a:masterClrMapping/>
-  </p:clrMapOvr>
-</p:sld>
-</file>
-
-<file path=ppt/slides/slide13.xml><?xml version="1.0" encoding="utf-8"?>
-<p:sld xmlns:a="http://schemas.openxmlformats.org/drawingml/2006/main" xmlns:r="http://schemas.openxmlformats.org/officeDocument/2006/relationships" xmlns:p="http://schemas.openxmlformats.org/presentationml/2006/main">
-  <p:cSld>
-    <p:spTree>
-      <p:nvGrpSpPr>
-        <p:cNvPr id="1" name=""/>
-        <p:cNvGrpSpPr/>
-        <p:nvPr/>
-      </p:nvGrpSpPr>
-      <p:grpSpPr>
-        <a:xfrm>
-          <a:off x="0" y="0"/>
-          <a:ext cx="0" cy="0"/>
-          <a:chOff x="0" y="0"/>
-          <a:chExt cx="0" cy="0"/>
-        </a:xfrm>
-      </p:grpSpPr>
-      <p:sp>
-        <p:nvSpPr>
-          <p:cNvPr id="3" name="Content Placeholder 2"/>
-          <p:cNvSpPr>
-            <a:spLocks noGrp="1"/>
-          </p:cNvSpPr>
-          <p:nvPr>
-            <p:ph idx="1"/>
-          </p:nvPr>
-        </p:nvSpPr>
-        <p:spPr>
-          <a:xfrm>
-            <a:off x="838200" y="1206708"/>
-            <a:ext cx="10515600" cy="4970255"/>
-          </a:xfrm>
-        </p:spPr>
-        <p:txBody>
-          <a:bodyPr/>
-          <a:lstStyle/>
-          <a:p>
-            <a:pPr marL="0" indent="0">
-              <a:buNone/>
-            </a:pPr>
-            <a:r>
-              <a:rPr lang="en-US" dirty="0"/>
-              <a:t>O</a:t>
-            </a:r>
-            <a:r>
-              <a:rPr lang="en-US" dirty="0" smtClean="0"/>
-              <a:t>utput y will not be perfectly 0 or 1 because we use gradient descent instead of brute force. </a:t>
-            </a:r>
-          </a:p>
-          <a:p>
-            <a:pPr marL="0" indent="0">
-              <a:buNone/>
-            </a:pPr>
-            <a:endParaRPr lang="en-US" dirty="0"/>
-          </a:p>
-          <a:p>
-            <a:pPr marL="0" indent="0">
-              <a:buNone/>
-            </a:pPr>
-            <a:r>
-              <a:rPr lang="en-US" dirty="0" smtClean="0"/>
-              <a:t>You can heuristically round output y to nearest 0 or 1. </a:t>
-            </a:r>
-            <a:endParaRPr lang="en-US" dirty="0"/>
-          </a:p>
-        </p:txBody>
-      </p:sp>
-    </p:spTree>
-    <p:extLst>
-      <p:ext uri="{BB962C8B-B14F-4D97-AF65-F5344CB8AC3E}">
-        <p14:creationId xmlns:p14="http://schemas.microsoft.com/office/powerpoint/2010/main" val="225876497"/>
-      </p:ext>
-    </p:extLst>
-  </p:cSld>
-  <p:clrMapOvr>
-    <a:masterClrMapping/>
-  </p:clrMapOvr>
-</p:sld>
-</file>
-
-<file path=ppt/slides/slide14.xml><?xml version="1.0" encoding="utf-8"?>
-<p:sld xmlns:a="http://schemas.openxmlformats.org/drawingml/2006/main" xmlns:r="http://schemas.openxmlformats.org/officeDocument/2006/relationships" xmlns:p="http://schemas.openxmlformats.org/presentationml/2006/main">
-  <p:cSld>
-    <p:spTree>
-      <p:nvGrpSpPr>
-        <p:cNvPr id="1" name=""/>
-        <p:cNvGrpSpPr/>
-        <p:nvPr/>
-      </p:nvGrpSpPr>
-      <p:grpSpPr>
-        <a:xfrm>
-          <a:off x="0" y="0"/>
-          <a:ext cx="0" cy="0"/>
-          <a:chOff x="0" y="0"/>
-          <a:chExt cx="0" cy="0"/>
-        </a:xfrm>
-      </p:grpSpPr>
-      <p:sp>
-        <p:nvSpPr>
           <p:cNvPr id="6" name="TextBox 5"/>
           <p:cNvSpPr txBox="1"/>
           <p:nvPr/>
@@ -3544,31 +3626,7 @@
                   <a:srgbClr val="FF0000"/>
                 </a:solidFill>
               </a:rPr>
-              <a:t>Try </a:t>
-            </a:r>
-            <a:r>
-              <a:rPr lang="en-US" sz="2400" b="1" dirty="0" smtClean="0">
-                <a:solidFill>
-                  <a:srgbClr val="FF0000"/>
-                </a:solidFill>
-              </a:rPr>
-              <a:t>by yourself, </a:t>
-            </a:r>
-            <a:r>
-              <a:rPr lang="en-US" sz="2400" b="1" dirty="0" smtClean="0">
-                <a:solidFill>
-                  <a:srgbClr val="FF0000"/>
-                </a:solidFill>
-              </a:rPr>
-              <a:t>modify </a:t>
-            </a:r>
-            <a:r>
-              <a:rPr lang="en-US" sz="2400" b="1" dirty="0" smtClean="0">
-                <a:solidFill>
-                  <a:srgbClr val="FF0000"/>
-                </a:solidFill>
-              </a:rPr>
-              <a:t>code to solve</a:t>
+              <a:t>Try by yourself, modify code to solve</a:t>
             </a:r>
             <a:endParaRPr lang="en-US" sz="2400" b="1" dirty="0">
               <a:solidFill>
@@ -6115,7 +6173,6 @@
               <a:rPr lang="en-US" dirty="0" smtClean="0"/>
               <a:t>. </a:t>
             </a:r>
-            <a:endParaRPr lang="en-US" dirty="0" smtClean="0"/>
           </a:p>
           <a:p>
             <a:pPr marL="0" indent="0">
@@ -6131,7 +6188,6 @@
               <a:rPr lang="en-US" dirty="0" smtClean="0"/>
               <a:t>Now, we will learn how to code this optimization in pytorch. </a:t>
             </a:r>
-            <a:endParaRPr lang="en-US" dirty="0" smtClean="0"/>
           </a:p>
           <a:p>
             <a:pPr marL="0" indent="0">
@@ -6751,6 +6807,13 @@
   <p:clrMapOvr>
     <a:masterClrMapping/>
   </p:clrMapOvr>
+  <p:timing>
+    <p:tnLst>
+      <p:par>
+        <p:cTn id="1" dur="indefinite" restart="never" nodeType="tmRoot"/>
+      </p:par>
+    </p:tnLst>
+  </p:timing>
 </p:sld>
 </file>
 
@@ -6779,7 +6842,7 @@
         </p:nvSpPr>
         <p:spPr>
           <a:xfrm>
-            <a:off x="5662454" y="1423030"/>
+            <a:off x="759542" y="2193461"/>
             <a:ext cx="3826320" cy="400110"/>
           </a:xfrm>
           <a:prstGeom prst="rect">
@@ -6812,7 +6875,7 @@
           </p:nvPr>
         </p:nvPicPr>
         <p:blipFill>
-          <a:blip r:embed="rId4" cstate="print">
+          <a:blip r:embed="rId5" cstate="print">
             <a:extLst>
               <a:ext uri="{28A0092B-C50C-407E-A947-70E740481C1C}">
                 <a14:useLocalDpi xmlns:a14="http://schemas.microsoft.com/office/drawing/2010/main" val="0"/>
@@ -6825,7 +6888,7 @@
         </p:blipFill>
         <p:spPr>
           <a:xfrm>
-            <a:off x="5147872" y="1469338"/>
+            <a:off x="244960" y="2239769"/>
             <a:ext cx="578347" cy="323024"/>
           </a:xfrm>
           <a:prstGeom prst="rect">
@@ -6842,7 +6905,7 @@
           <p:nvPr/>
         </p:nvPicPr>
         <p:blipFill>
-          <a:blip r:embed="rId5">
+          <a:blip r:embed="rId6">
             <a:extLst>
               <a:ext uri="{28A0092B-C50C-407E-A947-70E740481C1C}">
                 <a14:useLocalDpi xmlns:a14="http://schemas.microsoft.com/office/drawing/2010/main" val="0"/>
@@ -6855,7 +6918,7 @@
         </p:blipFill>
         <p:spPr>
           <a:xfrm>
-            <a:off x="785734" y="2509532"/>
+            <a:off x="244960" y="2827744"/>
             <a:ext cx="6249272" cy="3296110"/>
           </a:xfrm>
           <a:prstGeom prst="rect">
@@ -6876,7 +6939,7 @@
           </p:nvPr>
         </p:nvPicPr>
         <p:blipFill>
-          <a:blip r:embed="rId6" cstate="print">
+          <a:blip r:embed="rId7" cstate="print">
             <a:extLst>
               <a:ext uri="{28A0092B-C50C-407E-A947-70E740481C1C}">
                 <a14:useLocalDpi xmlns:a14="http://schemas.microsoft.com/office/drawing/2010/main" val="0"/>
@@ -6889,8 +6952,72 @@
         </p:blipFill>
         <p:spPr>
           <a:xfrm>
-            <a:off x="785711" y="736870"/>
+            <a:off x="244960" y="589386"/>
             <a:ext cx="3753475" cy="1222418"/>
+          </a:xfrm>
+          <a:prstGeom prst="rect">
+            <a:avLst/>
+          </a:prstGeom>
+        </p:spPr>
+      </p:pic>
+      <p:pic>
+        <p:nvPicPr>
+          <p:cNvPr id="9" name="Picture 8"/>
+          <p:cNvPicPr>
+            <a:picLocks noChangeAspect="1"/>
+          </p:cNvPicPr>
+          <p:nvPr/>
+        </p:nvPicPr>
+        <p:blipFill>
+          <a:blip r:embed="rId8">
+            <a:extLst>
+              <a:ext uri="{28A0092B-C50C-407E-A947-70E740481C1C}">
+                <a14:useLocalDpi xmlns:a14="http://schemas.microsoft.com/office/drawing/2010/main" val="0"/>
+              </a:ext>
+            </a:extLst>
+          </a:blip>
+          <a:stretch>
+            <a:fillRect/>
+          </a:stretch>
+        </p:blipFill>
+        <p:spPr>
+          <a:xfrm>
+            <a:off x="6946947" y="2827744"/>
+            <a:ext cx="4887007" cy="2943636"/>
+          </a:xfrm>
+          <a:prstGeom prst="rect">
+            <a:avLst/>
+          </a:prstGeom>
+        </p:spPr>
+      </p:pic>
+      <p:pic>
+        <p:nvPicPr>
+          <p:cNvPr id="10" name="Picture 9"/>
+          <p:cNvPicPr>
+            <a:picLocks noChangeAspect="1"/>
+          </p:cNvPicPr>
+          <p:nvPr>
+            <p:custDataLst>
+              <p:tags r:id="rId3"/>
+            </p:custDataLst>
+          </p:nvPr>
+        </p:nvPicPr>
+        <p:blipFill>
+          <a:blip r:embed="rId9" cstate="print">
+            <a:extLst>
+              <a:ext uri="{28A0092B-C50C-407E-A947-70E740481C1C}">
+                <a14:useLocalDpi xmlns:a14="http://schemas.microsoft.com/office/drawing/2010/main" val="0"/>
+              </a:ext>
+            </a:extLst>
+          </a:blip>
+          <a:stretch>
+            <a:fillRect/>
+          </a:stretch>
+        </p:blipFill>
+        <p:spPr>
+          <a:xfrm>
+            <a:off x="6946947" y="2193461"/>
+            <a:ext cx="1912184" cy="360211"/>
           </a:xfrm>
           <a:prstGeom prst="rect">
             <a:avLst/>
@@ -6910,75 +7037,7 @@
   <p:timing>
     <p:tnLst>
       <p:par>
-        <p:cTn id="1" dur="indefinite" restart="never" nodeType="tmRoot">
-          <p:childTnLst>
-            <p:seq concurrent="1" nextAc="seek">
-              <p:cTn id="2" dur="indefinite" nodeType="mainSeq">
-                <p:childTnLst>
-                  <p:par>
-                    <p:cTn id="3" fill="hold">
-                      <p:stCondLst>
-                        <p:cond delay="indefinite"/>
-                      </p:stCondLst>
-                      <p:childTnLst>
-                        <p:par>
-                          <p:cTn id="4" fill="hold">
-                            <p:stCondLst>
-                              <p:cond delay="0"/>
-                            </p:stCondLst>
-                            <p:childTnLst>
-                              <p:par>
-                                <p:cTn id="5" presetID="1" presetClass="entr" presetSubtype="0" fill="hold" nodeType="clickEffect">
-                                  <p:stCondLst>
-                                    <p:cond delay="0"/>
-                                  </p:stCondLst>
-                                  <p:childTnLst>
-                                    <p:set>
-                                      <p:cBhvr>
-                                        <p:cTn id="6" dur="1" fill="hold">
-                                          <p:stCondLst>
-                                            <p:cond delay="0"/>
-                                          </p:stCondLst>
-                                        </p:cTn>
-                                        <p:tgtEl>
-                                          <p:spTgt spid="8"/>
-                                        </p:tgtEl>
-                                        <p:attrNameLst>
-                                          <p:attrName>style.visibility</p:attrName>
-                                        </p:attrNameLst>
-                                      </p:cBhvr>
-                                      <p:to>
-                                        <p:strVal val="visible"/>
-                                      </p:to>
-                                    </p:set>
-                                  </p:childTnLst>
-                                </p:cTn>
-                              </p:par>
-                            </p:childTnLst>
-                          </p:cTn>
-                        </p:par>
-                      </p:childTnLst>
-                    </p:cTn>
-                  </p:par>
-                </p:childTnLst>
-              </p:cTn>
-              <p:prevCondLst>
-                <p:cond evt="onPrev" delay="0">
-                  <p:tgtEl>
-                    <p:sldTgt/>
-                  </p:tgtEl>
-                </p:cond>
-              </p:prevCondLst>
-              <p:nextCondLst>
-                <p:cond evt="onNext" delay="0">
-                  <p:tgtEl>
-                    <p:sldTgt/>
-                  </p:tgtEl>
-                </p:cond>
-              </p:nextCondLst>
-            </p:seq>
-          </p:childTnLst>
-        </p:cTn>
+        <p:cTn id="1" dur="indefinite" restart="never" nodeType="tmRoot"/>
       </p:par>
     </p:tnLst>
   </p:timing>

--- a/CS269PresentationOwnOptimFunction.pptx
+++ b/CS269PresentationOwnOptimFunction.pptx
@@ -16,7 +16,10 @@
     <p:sldId id="270" r:id="rId10"/>
     <p:sldId id="272" r:id="rId11"/>
     <p:sldId id="273" r:id="rId12"/>
-    <p:sldId id="268" r:id="rId13"/>
+    <p:sldId id="274" r:id="rId13"/>
+    <p:sldId id="275" r:id="rId14"/>
+    <p:sldId id="276" r:id="rId15"/>
+    <p:sldId id="268" r:id="rId16"/>
   </p:sldIdLst>
   <p:sldSz cx="12192000" cy="6858000"/>
   <p:notesSz cx="6858000" cy="9144000"/>
@@ -254,7 +257,7 @@
           <a:p>
             <a:fld id="{2044D494-11AD-436B-8B9C-B061291A35EE}" type="datetimeFigureOut">
               <a:rPr lang="en-US" smtClean="0"/>
-              <a:t>4/22/2019</a:t>
+              <a:t>4/24/2019</a:t>
             </a:fld>
             <a:endParaRPr lang="en-US"/>
           </a:p>
@@ -424,7 +427,7 @@
           <a:p>
             <a:fld id="{2044D494-11AD-436B-8B9C-B061291A35EE}" type="datetimeFigureOut">
               <a:rPr lang="en-US" smtClean="0"/>
-              <a:t>4/22/2019</a:t>
+              <a:t>4/24/2019</a:t>
             </a:fld>
             <a:endParaRPr lang="en-US"/>
           </a:p>
@@ -604,7 +607,7 @@
           <a:p>
             <a:fld id="{2044D494-11AD-436B-8B9C-B061291A35EE}" type="datetimeFigureOut">
               <a:rPr lang="en-US" smtClean="0"/>
-              <a:t>4/22/2019</a:t>
+              <a:t>4/24/2019</a:t>
             </a:fld>
             <a:endParaRPr lang="en-US"/>
           </a:p>
@@ -774,7 +777,7 @@
           <a:p>
             <a:fld id="{2044D494-11AD-436B-8B9C-B061291A35EE}" type="datetimeFigureOut">
               <a:rPr lang="en-US" smtClean="0"/>
-              <a:t>4/22/2019</a:t>
+              <a:t>4/24/2019</a:t>
             </a:fld>
             <a:endParaRPr lang="en-US"/>
           </a:p>
@@ -1020,7 +1023,7 @@
           <a:p>
             <a:fld id="{2044D494-11AD-436B-8B9C-B061291A35EE}" type="datetimeFigureOut">
               <a:rPr lang="en-US" smtClean="0"/>
-              <a:t>4/22/2019</a:t>
+              <a:t>4/24/2019</a:t>
             </a:fld>
             <a:endParaRPr lang="en-US"/>
           </a:p>
@@ -1252,7 +1255,7 @@
           <a:p>
             <a:fld id="{2044D494-11AD-436B-8B9C-B061291A35EE}" type="datetimeFigureOut">
               <a:rPr lang="en-US" smtClean="0"/>
-              <a:t>4/22/2019</a:t>
+              <a:t>4/24/2019</a:t>
             </a:fld>
             <a:endParaRPr lang="en-US"/>
           </a:p>
@@ -1619,7 +1622,7 @@
           <a:p>
             <a:fld id="{2044D494-11AD-436B-8B9C-B061291A35EE}" type="datetimeFigureOut">
               <a:rPr lang="en-US" smtClean="0"/>
-              <a:t>4/22/2019</a:t>
+              <a:t>4/24/2019</a:t>
             </a:fld>
             <a:endParaRPr lang="en-US"/>
           </a:p>
@@ -1737,7 +1740,7 @@
           <a:p>
             <a:fld id="{2044D494-11AD-436B-8B9C-B061291A35EE}" type="datetimeFigureOut">
               <a:rPr lang="en-US" smtClean="0"/>
-              <a:t>4/22/2019</a:t>
+              <a:t>4/24/2019</a:t>
             </a:fld>
             <a:endParaRPr lang="en-US"/>
           </a:p>
@@ -1832,7 +1835,7 @@
           <a:p>
             <a:fld id="{2044D494-11AD-436B-8B9C-B061291A35EE}" type="datetimeFigureOut">
               <a:rPr lang="en-US" smtClean="0"/>
-              <a:t>4/22/2019</a:t>
+              <a:t>4/24/2019</a:t>
             </a:fld>
             <a:endParaRPr lang="en-US"/>
           </a:p>
@@ -2109,7 +2112,7 @@
           <a:p>
             <a:fld id="{2044D494-11AD-436B-8B9C-B061291A35EE}" type="datetimeFigureOut">
               <a:rPr lang="en-US" smtClean="0"/>
-              <a:t>4/22/2019</a:t>
+              <a:t>4/24/2019</a:t>
             </a:fld>
             <a:endParaRPr lang="en-US"/>
           </a:p>
@@ -2362,7 +2365,7 @@
           <a:p>
             <a:fld id="{2044D494-11AD-436B-8B9C-B061291A35EE}" type="datetimeFigureOut">
               <a:rPr lang="en-US" smtClean="0"/>
-              <a:t>4/22/2019</a:t>
+              <a:t>4/24/2019</a:t>
             </a:fld>
             <a:endParaRPr lang="en-US"/>
           </a:p>
@@ -2575,7 +2578,7 @@
           <a:p>
             <a:fld id="{2044D494-11AD-436B-8B9C-B061291A35EE}" type="datetimeFigureOut">
               <a:rPr lang="en-US" smtClean="0"/>
-              <a:t>4/22/2019</a:t>
+              <a:t>4/24/2019</a:t>
             </a:fld>
             <a:endParaRPr lang="en-US"/>
           </a:p>
@@ -3198,17 +3201,19 @@
           </a:xfrm>
         </p:spPr>
         <p:txBody>
-          <a:bodyPr/>
+          <a:bodyPr>
+            <a:normAutofit/>
+          </a:bodyPr>
           <a:lstStyle/>
           <a:p>
             <a:pPr marL="0" indent="0">
               <a:buNone/>
             </a:pPr>
             <a:r>
-              <a:rPr lang="en-US" dirty="0" smtClean="0"/>
+              <a:rPr lang="en-US" sz="2400" dirty="0" smtClean="0"/>
               <a:t>Do the optimization</a:t>
             </a:r>
-            <a:endParaRPr lang="en-US" dirty="0"/>
+            <a:endParaRPr lang="en-US" sz="2400" dirty="0"/>
           </a:p>
         </p:txBody>
       </p:sp>
@@ -3443,16 +3448,16 @@
             </a:lstStyle>
             <a:p>
               <a:r>
-                <a:rPr lang="en-US" dirty="0" smtClean="0"/>
+                <a:rPr lang="en-US" sz="2400" dirty="0" smtClean="0"/>
                 <a:t>y is not strictly 0 or 1 because of gradient descent. </a:t>
               </a:r>
             </a:p>
             <a:p>
               <a:r>
-                <a:rPr lang="en-US" dirty="0" smtClean="0"/>
+                <a:rPr lang="en-US" sz="2400" dirty="0" smtClean="0"/>
                 <a:t>You can heuristically round output y to nearest 0 or 1. </a:t>
               </a:r>
-              <a:endParaRPr lang="en-US" dirty="0"/>
+              <a:endParaRPr lang="en-US" sz="2400" dirty="0"/>
             </a:p>
           </p:txBody>
         </p:sp>
@@ -3600,6 +3605,1000 @@
       </p:grpSpPr>
       <p:sp>
         <p:nvSpPr>
+          <p:cNvPr id="2" name="Title 1"/>
+          <p:cNvSpPr>
+            <a:spLocks noGrp="1"/>
+          </p:cNvSpPr>
+          <p:nvPr>
+            <p:ph type="title"/>
+          </p:nvPr>
+        </p:nvSpPr>
+        <p:spPr>
+          <a:xfrm>
+            <a:off x="838200" y="365126"/>
+            <a:ext cx="10515600" cy="615178"/>
+          </a:xfrm>
+        </p:spPr>
+        <p:txBody>
+          <a:bodyPr>
+            <a:normAutofit/>
+          </a:bodyPr>
+          <a:lstStyle/>
+          <a:p>
+            <a:r>
+              <a:rPr lang="en-US" sz="3000" dirty="0" smtClean="0"/>
+              <a:t>Variable object</a:t>
+            </a:r>
+            <a:endParaRPr lang="en-US" sz="3000" dirty="0"/>
+          </a:p>
+        </p:txBody>
+      </p:sp>
+      <p:sp>
+        <p:nvSpPr>
+          <p:cNvPr id="3" name="Content Placeholder 2"/>
+          <p:cNvSpPr>
+            <a:spLocks noGrp="1"/>
+          </p:cNvSpPr>
+          <p:nvPr>
+            <p:ph idx="1"/>
+          </p:nvPr>
+        </p:nvSpPr>
+        <p:spPr>
+          <a:xfrm>
+            <a:off x="838200" y="1128584"/>
+            <a:ext cx="10515600" cy="5048379"/>
+          </a:xfrm>
+        </p:spPr>
+        <p:txBody>
+          <a:bodyPr/>
+          <a:lstStyle/>
+          <a:p>
+            <a:r>
+              <a:rPr lang="en-US" dirty="0" smtClean="0"/>
+              <a:t>Variable is part of the </a:t>
+            </a:r>
+            <a:r>
+              <a:rPr lang="en-US" dirty="0" err="1" smtClean="0"/>
+              <a:t>torch.autograd</a:t>
+            </a:r>
+            <a:r>
+              <a:rPr lang="en-US" dirty="0" smtClean="0"/>
+              <a:t> </a:t>
+            </a:r>
+          </a:p>
+          <a:p>
+            <a:r>
+              <a:rPr lang="en-US" dirty="0" smtClean="0"/>
+              <a:t>Variable </a:t>
+            </a:r>
+            <a:r>
+              <a:rPr lang="en-US" dirty="0" smtClean="0"/>
+              <a:t>has 4 key fields (we will see them in demo code) </a:t>
+            </a:r>
+          </a:p>
+          <a:p>
+            <a:pPr lvl="1"/>
+            <a:r>
+              <a:rPr lang="en-US" dirty="0"/>
+              <a:t>data</a:t>
+            </a:r>
+          </a:p>
+          <a:p>
+            <a:pPr lvl="1"/>
+            <a:r>
+              <a:rPr lang="en-US" dirty="0" err="1"/>
+              <a:t>requires_grad</a:t>
+            </a:r>
+            <a:endParaRPr lang="en-US" dirty="0"/>
+          </a:p>
+          <a:p>
+            <a:pPr lvl="1"/>
+            <a:r>
+              <a:rPr lang="en-US" dirty="0"/>
+              <a:t>grad</a:t>
+            </a:r>
+          </a:p>
+          <a:p>
+            <a:pPr lvl="1"/>
+            <a:r>
+              <a:rPr lang="en-US" dirty="0" err="1"/>
+              <a:t>is_leaf</a:t>
+            </a:r>
+            <a:endParaRPr lang="en-US" dirty="0"/>
+          </a:p>
+          <a:p>
+            <a:pPr lvl="1"/>
+            <a:endParaRPr lang="en-US" dirty="0" smtClean="0"/>
+          </a:p>
+          <a:p>
+            <a:pPr lvl="1"/>
+            <a:endParaRPr lang="en-US" dirty="0" smtClean="0"/>
+          </a:p>
+        </p:txBody>
+      </p:sp>
+    </p:spTree>
+    <p:extLst>
+      <p:ext uri="{BB962C8B-B14F-4D97-AF65-F5344CB8AC3E}">
+        <p14:creationId xmlns:p14="http://schemas.microsoft.com/office/powerpoint/2010/main" val="1278052035"/>
+      </p:ext>
+    </p:extLst>
+  </p:cSld>
+  <p:clrMapOvr>
+    <a:masterClrMapping/>
+  </p:clrMapOvr>
+  <p:timing>
+    <p:tnLst>
+      <p:par>
+        <p:cTn id="1" dur="indefinite" restart="never" nodeType="tmRoot">
+          <p:childTnLst>
+            <p:seq concurrent="1" nextAc="seek">
+              <p:cTn id="2" dur="indefinite" nodeType="mainSeq">
+                <p:childTnLst>
+                  <p:par>
+                    <p:cTn id="3" fill="hold">
+                      <p:stCondLst>
+                        <p:cond delay="indefinite"/>
+                      </p:stCondLst>
+                      <p:childTnLst>
+                        <p:par>
+                          <p:cTn id="4" fill="hold">
+                            <p:stCondLst>
+                              <p:cond delay="0"/>
+                            </p:stCondLst>
+                            <p:childTnLst>
+                              <p:par>
+                                <p:cTn id="5" presetID="1" presetClass="entr" presetSubtype="0" fill="hold" nodeType="clickEffect">
+                                  <p:stCondLst>
+                                    <p:cond delay="0"/>
+                                  </p:stCondLst>
+                                  <p:childTnLst>
+                                    <p:set>
+                                      <p:cBhvr>
+                                        <p:cTn id="6" dur="1" fill="hold">
+                                          <p:stCondLst>
+                                            <p:cond delay="0"/>
+                                          </p:stCondLst>
+                                        </p:cTn>
+                                        <p:tgtEl>
+                                          <p:spTgt spid="3">
+                                            <p:txEl>
+                                              <p:pRg st="1" end="1"/>
+                                            </p:txEl>
+                                          </p:spTgt>
+                                        </p:tgtEl>
+                                        <p:attrNameLst>
+                                          <p:attrName>style.visibility</p:attrName>
+                                        </p:attrNameLst>
+                                      </p:cBhvr>
+                                      <p:to>
+                                        <p:strVal val="visible"/>
+                                      </p:to>
+                                    </p:set>
+                                  </p:childTnLst>
+                                </p:cTn>
+                              </p:par>
+                            </p:childTnLst>
+                          </p:cTn>
+                        </p:par>
+                      </p:childTnLst>
+                    </p:cTn>
+                  </p:par>
+                  <p:par>
+                    <p:cTn id="7" fill="hold">
+                      <p:stCondLst>
+                        <p:cond delay="indefinite"/>
+                      </p:stCondLst>
+                      <p:childTnLst>
+                        <p:par>
+                          <p:cTn id="8" fill="hold">
+                            <p:stCondLst>
+                              <p:cond delay="0"/>
+                            </p:stCondLst>
+                            <p:childTnLst>
+                              <p:par>
+                                <p:cTn id="9" presetID="1" presetClass="entr" presetSubtype="0" fill="hold" nodeType="clickEffect">
+                                  <p:stCondLst>
+                                    <p:cond delay="0"/>
+                                  </p:stCondLst>
+                                  <p:childTnLst>
+                                    <p:set>
+                                      <p:cBhvr>
+                                        <p:cTn id="10" dur="1" fill="hold">
+                                          <p:stCondLst>
+                                            <p:cond delay="0"/>
+                                          </p:stCondLst>
+                                        </p:cTn>
+                                        <p:tgtEl>
+                                          <p:spTgt spid="3">
+                                            <p:txEl>
+                                              <p:pRg st="2" end="2"/>
+                                            </p:txEl>
+                                          </p:spTgt>
+                                        </p:tgtEl>
+                                        <p:attrNameLst>
+                                          <p:attrName>style.visibility</p:attrName>
+                                        </p:attrNameLst>
+                                      </p:cBhvr>
+                                      <p:to>
+                                        <p:strVal val="visible"/>
+                                      </p:to>
+                                    </p:set>
+                                  </p:childTnLst>
+                                </p:cTn>
+                              </p:par>
+                              <p:par>
+                                <p:cTn id="11" presetID="1" presetClass="entr" presetSubtype="0" fill="hold" nodeType="withEffect">
+                                  <p:stCondLst>
+                                    <p:cond delay="0"/>
+                                  </p:stCondLst>
+                                  <p:childTnLst>
+                                    <p:set>
+                                      <p:cBhvr>
+                                        <p:cTn id="12" dur="1" fill="hold">
+                                          <p:stCondLst>
+                                            <p:cond delay="0"/>
+                                          </p:stCondLst>
+                                        </p:cTn>
+                                        <p:tgtEl>
+                                          <p:spTgt spid="3">
+                                            <p:txEl>
+                                              <p:pRg st="3" end="3"/>
+                                            </p:txEl>
+                                          </p:spTgt>
+                                        </p:tgtEl>
+                                        <p:attrNameLst>
+                                          <p:attrName>style.visibility</p:attrName>
+                                        </p:attrNameLst>
+                                      </p:cBhvr>
+                                      <p:to>
+                                        <p:strVal val="visible"/>
+                                      </p:to>
+                                    </p:set>
+                                  </p:childTnLst>
+                                </p:cTn>
+                              </p:par>
+                              <p:par>
+                                <p:cTn id="13" presetID="1" presetClass="entr" presetSubtype="0" fill="hold" nodeType="withEffect">
+                                  <p:stCondLst>
+                                    <p:cond delay="0"/>
+                                  </p:stCondLst>
+                                  <p:childTnLst>
+                                    <p:set>
+                                      <p:cBhvr>
+                                        <p:cTn id="14" dur="1" fill="hold">
+                                          <p:stCondLst>
+                                            <p:cond delay="0"/>
+                                          </p:stCondLst>
+                                        </p:cTn>
+                                        <p:tgtEl>
+                                          <p:spTgt spid="3">
+                                            <p:txEl>
+                                              <p:pRg st="4" end="4"/>
+                                            </p:txEl>
+                                          </p:spTgt>
+                                        </p:tgtEl>
+                                        <p:attrNameLst>
+                                          <p:attrName>style.visibility</p:attrName>
+                                        </p:attrNameLst>
+                                      </p:cBhvr>
+                                      <p:to>
+                                        <p:strVal val="visible"/>
+                                      </p:to>
+                                    </p:set>
+                                  </p:childTnLst>
+                                </p:cTn>
+                              </p:par>
+                              <p:par>
+                                <p:cTn id="15" presetID="1" presetClass="entr" presetSubtype="0" fill="hold" nodeType="withEffect">
+                                  <p:stCondLst>
+                                    <p:cond delay="0"/>
+                                  </p:stCondLst>
+                                  <p:childTnLst>
+                                    <p:set>
+                                      <p:cBhvr>
+                                        <p:cTn id="16" dur="1" fill="hold">
+                                          <p:stCondLst>
+                                            <p:cond delay="0"/>
+                                          </p:stCondLst>
+                                        </p:cTn>
+                                        <p:tgtEl>
+                                          <p:spTgt spid="3">
+                                            <p:txEl>
+                                              <p:pRg st="5" end="5"/>
+                                            </p:txEl>
+                                          </p:spTgt>
+                                        </p:tgtEl>
+                                        <p:attrNameLst>
+                                          <p:attrName>style.visibility</p:attrName>
+                                        </p:attrNameLst>
+                                      </p:cBhvr>
+                                      <p:to>
+                                        <p:strVal val="visible"/>
+                                      </p:to>
+                                    </p:set>
+                                  </p:childTnLst>
+                                </p:cTn>
+                              </p:par>
+                            </p:childTnLst>
+                          </p:cTn>
+                        </p:par>
+                      </p:childTnLst>
+                    </p:cTn>
+                  </p:par>
+                </p:childTnLst>
+              </p:cTn>
+              <p:prevCondLst>
+                <p:cond evt="onPrev" delay="0">
+                  <p:tgtEl>
+                    <p:sldTgt/>
+                  </p:tgtEl>
+                </p:cond>
+              </p:prevCondLst>
+              <p:nextCondLst>
+                <p:cond evt="onNext" delay="0">
+                  <p:tgtEl>
+                    <p:sldTgt/>
+                  </p:tgtEl>
+                </p:cond>
+              </p:nextCondLst>
+            </p:seq>
+          </p:childTnLst>
+        </p:cTn>
+      </p:par>
+    </p:tnLst>
+  </p:timing>
+</p:sld>
+</file>
+
+<file path=ppt/slides/slide13.xml><?xml version="1.0" encoding="utf-8"?>
+<p:sld xmlns:a="http://schemas.openxmlformats.org/drawingml/2006/main" xmlns:r="http://schemas.openxmlformats.org/officeDocument/2006/relationships" xmlns:p="http://schemas.openxmlformats.org/presentationml/2006/main">
+  <p:cSld>
+    <p:spTree>
+      <p:nvGrpSpPr>
+        <p:cNvPr id="1" name=""/>
+        <p:cNvGrpSpPr/>
+        <p:nvPr/>
+      </p:nvGrpSpPr>
+      <p:grpSpPr>
+        <a:xfrm>
+          <a:off x="0" y="0"/>
+          <a:ext cx="0" cy="0"/>
+          <a:chOff x="0" y="0"/>
+          <a:chExt cx="0" cy="0"/>
+        </a:xfrm>
+      </p:grpSpPr>
+      <p:sp>
+        <p:nvSpPr>
+          <p:cNvPr id="3" name="Content Placeholder 2"/>
+          <p:cNvSpPr>
+            <a:spLocks noGrp="1"/>
+          </p:cNvSpPr>
+          <p:nvPr>
+            <p:ph idx="1"/>
+          </p:nvPr>
+        </p:nvSpPr>
+        <p:spPr>
+          <a:xfrm>
+            <a:off x="838200" y="1268361"/>
+            <a:ext cx="10515600" cy="4908602"/>
+          </a:xfrm>
+        </p:spPr>
+        <p:txBody>
+          <a:bodyPr/>
+          <a:lstStyle/>
+          <a:p>
+            <a:r>
+              <a:rPr lang="en-US" dirty="0" smtClean="0"/>
+              <a:t>In the demo code, we use 	</a:t>
+            </a:r>
+            <a:r>
+              <a:rPr lang="en-US" i="1" dirty="0" err="1" smtClean="0"/>
+              <a:t>function_value.backward</a:t>
+            </a:r>
+            <a:r>
+              <a:rPr lang="en-US" i="1" dirty="0" smtClean="0"/>
+              <a:t>(</a:t>
+            </a:r>
+            <a:r>
+              <a:rPr lang="en-US" i="1" dirty="0" err="1" smtClean="0"/>
+              <a:t>retain_graph</a:t>
+            </a:r>
+            <a:r>
+              <a:rPr lang="en-US" i="1" dirty="0" smtClean="0"/>
+              <a:t>=True</a:t>
+            </a:r>
+            <a:r>
+              <a:rPr lang="en-US" i="1" dirty="0"/>
+              <a:t>)</a:t>
+            </a:r>
+          </a:p>
+          <a:p>
+            <a:pPr marL="0" indent="0">
+              <a:buNone/>
+            </a:pPr>
+            <a:endParaRPr lang="en-US" dirty="0" smtClean="0"/>
+          </a:p>
+          <a:p>
+            <a:r>
+              <a:rPr lang="en-US" dirty="0" smtClean="0"/>
+              <a:t>Without this option </a:t>
+            </a:r>
+            <a:r>
+              <a:rPr lang="en-US" dirty="0" err="1" smtClean="0"/>
+              <a:t>retain_graph</a:t>
+            </a:r>
+            <a:r>
+              <a:rPr lang="en-US" dirty="0" smtClean="0"/>
+              <a:t>=True, the optimization fails. </a:t>
+            </a:r>
+            <a:endParaRPr lang="en-US" dirty="0"/>
+          </a:p>
+          <a:p>
+            <a:r>
+              <a:rPr lang="en-US" dirty="0"/>
+              <a:t>W</a:t>
+            </a:r>
+            <a:r>
+              <a:rPr lang="en-US" dirty="0" smtClean="0"/>
+              <a:t>hy ? </a:t>
+            </a:r>
+          </a:p>
+          <a:p>
+            <a:pPr lvl="1"/>
+            <a:r>
+              <a:rPr lang="en-US" dirty="0" smtClean="0"/>
+              <a:t>Computation graph is created “on-the-fly”, so at every epoch, the graph is destroyed, and then remade. </a:t>
+            </a:r>
+          </a:p>
+          <a:p>
+            <a:pPr lvl="1"/>
+            <a:r>
+              <a:rPr lang="en-US" dirty="0" smtClean="0"/>
+              <a:t>The </a:t>
+            </a:r>
+            <a:r>
+              <a:rPr lang="en-US" smtClean="0"/>
+              <a:t>variables exist</a:t>
+            </a:r>
+            <a:r>
+              <a:rPr lang="en-US" dirty="0" smtClean="0"/>
+              <a:t>, but “links” between variables are destroyed. </a:t>
+            </a:r>
+          </a:p>
+          <a:p>
+            <a:pPr lvl="1"/>
+            <a:r>
+              <a:rPr lang="en-US" dirty="0" smtClean="0"/>
+              <a:t>Let’s look our computation graph on the board. </a:t>
+            </a:r>
+            <a:endParaRPr lang="en-US" dirty="0"/>
+          </a:p>
+        </p:txBody>
+      </p:sp>
+      <p:sp>
+        <p:nvSpPr>
+          <p:cNvPr id="4" name="Title 1"/>
+          <p:cNvSpPr>
+            <a:spLocks noGrp="1"/>
+          </p:cNvSpPr>
+          <p:nvPr>
+            <p:ph type="title"/>
+          </p:nvPr>
+        </p:nvSpPr>
+        <p:spPr>
+          <a:xfrm>
+            <a:off x="838200" y="365125"/>
+            <a:ext cx="10515600" cy="696759"/>
+          </a:xfrm>
+        </p:spPr>
+        <p:txBody>
+          <a:bodyPr>
+            <a:normAutofit/>
+          </a:bodyPr>
+          <a:lstStyle/>
+          <a:p>
+            <a:r>
+              <a:rPr lang="en-US" sz="3000" dirty="0" err="1"/>
+              <a:t>r</a:t>
+            </a:r>
+            <a:r>
+              <a:rPr lang="en-US" sz="3000" dirty="0" err="1" smtClean="0"/>
+              <a:t>etain_graph</a:t>
+            </a:r>
+            <a:r>
+              <a:rPr lang="en-US" sz="3000" dirty="0" smtClean="0"/>
+              <a:t>=true</a:t>
+            </a:r>
+            <a:endParaRPr lang="en-US" sz="3000" dirty="0"/>
+          </a:p>
+        </p:txBody>
+      </p:sp>
+    </p:spTree>
+    <p:extLst>
+      <p:ext uri="{BB962C8B-B14F-4D97-AF65-F5344CB8AC3E}">
+        <p14:creationId xmlns:p14="http://schemas.microsoft.com/office/powerpoint/2010/main" val="1619665879"/>
+      </p:ext>
+    </p:extLst>
+  </p:cSld>
+  <p:clrMapOvr>
+    <a:masterClrMapping/>
+  </p:clrMapOvr>
+  <p:timing>
+    <p:tnLst>
+      <p:par>
+        <p:cTn id="1" dur="indefinite" restart="never" nodeType="tmRoot">
+          <p:childTnLst>
+            <p:seq concurrent="1" nextAc="seek">
+              <p:cTn id="2" dur="indefinite" nodeType="mainSeq">
+                <p:childTnLst>
+                  <p:par>
+                    <p:cTn id="3" fill="hold">
+                      <p:stCondLst>
+                        <p:cond delay="indefinite"/>
+                      </p:stCondLst>
+                      <p:childTnLst>
+                        <p:par>
+                          <p:cTn id="4" fill="hold">
+                            <p:stCondLst>
+                              <p:cond delay="0"/>
+                            </p:stCondLst>
+                            <p:childTnLst>
+                              <p:par>
+                                <p:cTn id="5" presetID="1" presetClass="entr" presetSubtype="0" fill="hold" nodeType="clickEffect">
+                                  <p:stCondLst>
+                                    <p:cond delay="0"/>
+                                  </p:stCondLst>
+                                  <p:childTnLst>
+                                    <p:set>
+                                      <p:cBhvr>
+                                        <p:cTn id="6" dur="1" fill="hold">
+                                          <p:stCondLst>
+                                            <p:cond delay="0"/>
+                                          </p:stCondLst>
+                                        </p:cTn>
+                                        <p:tgtEl>
+                                          <p:spTgt spid="3">
+                                            <p:txEl>
+                                              <p:pRg st="4" end="4"/>
+                                            </p:txEl>
+                                          </p:spTgt>
+                                        </p:tgtEl>
+                                        <p:attrNameLst>
+                                          <p:attrName>style.visibility</p:attrName>
+                                        </p:attrNameLst>
+                                      </p:cBhvr>
+                                      <p:to>
+                                        <p:strVal val="visible"/>
+                                      </p:to>
+                                    </p:set>
+                                  </p:childTnLst>
+                                </p:cTn>
+                              </p:par>
+                            </p:childTnLst>
+                          </p:cTn>
+                        </p:par>
+                      </p:childTnLst>
+                    </p:cTn>
+                  </p:par>
+                  <p:par>
+                    <p:cTn id="7" fill="hold">
+                      <p:stCondLst>
+                        <p:cond delay="indefinite"/>
+                      </p:stCondLst>
+                      <p:childTnLst>
+                        <p:par>
+                          <p:cTn id="8" fill="hold">
+                            <p:stCondLst>
+                              <p:cond delay="0"/>
+                            </p:stCondLst>
+                            <p:childTnLst>
+                              <p:par>
+                                <p:cTn id="9" presetID="1" presetClass="entr" presetSubtype="0" fill="hold" nodeType="clickEffect">
+                                  <p:stCondLst>
+                                    <p:cond delay="0"/>
+                                  </p:stCondLst>
+                                  <p:childTnLst>
+                                    <p:set>
+                                      <p:cBhvr>
+                                        <p:cTn id="10" dur="1" fill="hold">
+                                          <p:stCondLst>
+                                            <p:cond delay="0"/>
+                                          </p:stCondLst>
+                                        </p:cTn>
+                                        <p:tgtEl>
+                                          <p:spTgt spid="3">
+                                            <p:txEl>
+                                              <p:pRg st="5" end="5"/>
+                                            </p:txEl>
+                                          </p:spTgt>
+                                        </p:tgtEl>
+                                        <p:attrNameLst>
+                                          <p:attrName>style.visibility</p:attrName>
+                                        </p:attrNameLst>
+                                      </p:cBhvr>
+                                      <p:to>
+                                        <p:strVal val="visible"/>
+                                      </p:to>
+                                    </p:set>
+                                  </p:childTnLst>
+                                </p:cTn>
+                              </p:par>
+                            </p:childTnLst>
+                          </p:cTn>
+                        </p:par>
+                      </p:childTnLst>
+                    </p:cTn>
+                  </p:par>
+                  <p:par>
+                    <p:cTn id="11" fill="hold">
+                      <p:stCondLst>
+                        <p:cond delay="indefinite"/>
+                      </p:stCondLst>
+                      <p:childTnLst>
+                        <p:par>
+                          <p:cTn id="12" fill="hold">
+                            <p:stCondLst>
+                              <p:cond delay="0"/>
+                            </p:stCondLst>
+                            <p:childTnLst>
+                              <p:par>
+                                <p:cTn id="13" presetID="1" presetClass="entr" presetSubtype="0" fill="hold" nodeType="clickEffect">
+                                  <p:stCondLst>
+                                    <p:cond delay="0"/>
+                                  </p:stCondLst>
+                                  <p:childTnLst>
+                                    <p:set>
+                                      <p:cBhvr>
+                                        <p:cTn id="14" dur="1" fill="hold">
+                                          <p:stCondLst>
+                                            <p:cond delay="0"/>
+                                          </p:stCondLst>
+                                        </p:cTn>
+                                        <p:tgtEl>
+                                          <p:spTgt spid="3">
+                                            <p:txEl>
+                                              <p:pRg st="6" end="6"/>
+                                            </p:txEl>
+                                          </p:spTgt>
+                                        </p:tgtEl>
+                                        <p:attrNameLst>
+                                          <p:attrName>style.visibility</p:attrName>
+                                        </p:attrNameLst>
+                                      </p:cBhvr>
+                                      <p:to>
+                                        <p:strVal val="visible"/>
+                                      </p:to>
+                                    </p:set>
+                                  </p:childTnLst>
+                                </p:cTn>
+                              </p:par>
+                            </p:childTnLst>
+                          </p:cTn>
+                        </p:par>
+                      </p:childTnLst>
+                    </p:cTn>
+                  </p:par>
+                </p:childTnLst>
+              </p:cTn>
+              <p:prevCondLst>
+                <p:cond evt="onPrev" delay="0">
+                  <p:tgtEl>
+                    <p:sldTgt/>
+                  </p:tgtEl>
+                </p:cond>
+              </p:prevCondLst>
+              <p:nextCondLst>
+                <p:cond evt="onNext" delay="0">
+                  <p:tgtEl>
+                    <p:sldTgt/>
+                  </p:tgtEl>
+                </p:cond>
+              </p:nextCondLst>
+            </p:seq>
+          </p:childTnLst>
+        </p:cTn>
+      </p:par>
+    </p:tnLst>
+  </p:timing>
+</p:sld>
+</file>
+
+<file path=ppt/slides/slide14.xml><?xml version="1.0" encoding="utf-8"?>
+<p:sld xmlns:a="http://schemas.openxmlformats.org/drawingml/2006/main" xmlns:r="http://schemas.openxmlformats.org/officeDocument/2006/relationships" xmlns:p="http://schemas.openxmlformats.org/presentationml/2006/main">
+  <p:cSld>
+    <p:spTree>
+      <p:nvGrpSpPr>
+        <p:cNvPr id="1" name=""/>
+        <p:cNvGrpSpPr/>
+        <p:nvPr/>
+      </p:nvGrpSpPr>
+      <p:grpSpPr>
+        <a:xfrm>
+          <a:off x="0" y="0"/>
+          <a:ext cx="0" cy="0"/>
+          <a:chOff x="0" y="0"/>
+          <a:chExt cx="0" cy="0"/>
+        </a:xfrm>
+      </p:grpSpPr>
+      <p:sp>
+        <p:nvSpPr>
+          <p:cNvPr id="3" name="Content Placeholder 2"/>
+          <p:cNvSpPr>
+            <a:spLocks noGrp="1"/>
+          </p:cNvSpPr>
+          <p:nvPr>
+            <p:ph idx="1"/>
+          </p:nvPr>
+        </p:nvSpPr>
+        <p:spPr>
+          <a:xfrm>
+            <a:off x="838200" y="958645"/>
+            <a:ext cx="10515600" cy="5218318"/>
+          </a:xfrm>
+        </p:spPr>
+        <p:txBody>
+          <a:bodyPr/>
+          <a:lstStyle/>
+          <a:p>
+            <a:r>
+              <a:rPr lang="en-US" dirty="0" smtClean="0"/>
+              <a:t>It is possible to avoid </a:t>
+            </a:r>
+            <a:r>
+              <a:rPr lang="en-US" i="1" dirty="0" err="1" smtClean="0"/>
+              <a:t>retain_graph</a:t>
+            </a:r>
+            <a:r>
+              <a:rPr lang="en-US" i="1" dirty="0" smtClean="0"/>
+              <a:t>=True. </a:t>
+            </a:r>
+          </a:p>
+          <a:p>
+            <a:r>
+              <a:rPr lang="en-US" dirty="0" smtClean="0"/>
+              <a:t>We need to create every single variables required for the computation AGAIN. </a:t>
+            </a:r>
+          </a:p>
+          <a:p>
+            <a:r>
+              <a:rPr lang="en-US" dirty="0"/>
+              <a:t>https://</a:t>
+            </a:r>
+            <a:r>
+              <a:rPr lang="en-US" dirty="0" smtClean="0"/>
+              <a:t>discuss.pytorch.org/t/runtimeerror-trying-to-backward-through-the-graph-a-second-time-but-the-buffers-have-already-been-freed-specify-retain-graph-true-when-calling-backward-the-first-time/6795/28</a:t>
+            </a:r>
+          </a:p>
+          <a:p>
+            <a:r>
+              <a:rPr lang="en-US" dirty="0" smtClean="0"/>
+              <a:t>Observe this in the second part of the demo code. </a:t>
+            </a:r>
+            <a:endParaRPr lang="en-US" dirty="0"/>
+          </a:p>
+        </p:txBody>
+      </p:sp>
+    </p:spTree>
+    <p:extLst>
+      <p:ext uri="{BB962C8B-B14F-4D97-AF65-F5344CB8AC3E}">
+        <p14:creationId xmlns:p14="http://schemas.microsoft.com/office/powerpoint/2010/main" val="1657588095"/>
+      </p:ext>
+    </p:extLst>
+  </p:cSld>
+  <p:clrMapOvr>
+    <a:masterClrMapping/>
+  </p:clrMapOvr>
+  <p:timing>
+    <p:tnLst>
+      <p:par>
+        <p:cTn id="1" dur="indefinite" restart="never" nodeType="tmRoot">
+          <p:childTnLst>
+            <p:seq concurrent="1" nextAc="seek">
+              <p:cTn id="2" dur="indefinite" nodeType="mainSeq">
+                <p:childTnLst>
+                  <p:par>
+                    <p:cTn id="3" fill="hold">
+                      <p:stCondLst>
+                        <p:cond delay="indefinite"/>
+                      </p:stCondLst>
+                      <p:childTnLst>
+                        <p:par>
+                          <p:cTn id="4" fill="hold">
+                            <p:stCondLst>
+                              <p:cond delay="0"/>
+                            </p:stCondLst>
+                            <p:childTnLst>
+                              <p:par>
+                                <p:cTn id="5" presetID="1" presetClass="entr" presetSubtype="0" fill="hold" nodeType="clickEffect">
+                                  <p:stCondLst>
+                                    <p:cond delay="0"/>
+                                  </p:stCondLst>
+                                  <p:childTnLst>
+                                    <p:set>
+                                      <p:cBhvr>
+                                        <p:cTn id="6" dur="1" fill="hold">
+                                          <p:stCondLst>
+                                            <p:cond delay="0"/>
+                                          </p:stCondLst>
+                                        </p:cTn>
+                                        <p:tgtEl>
+                                          <p:spTgt spid="3">
+                                            <p:txEl>
+                                              <p:pRg st="1" end="1"/>
+                                            </p:txEl>
+                                          </p:spTgt>
+                                        </p:tgtEl>
+                                        <p:attrNameLst>
+                                          <p:attrName>style.visibility</p:attrName>
+                                        </p:attrNameLst>
+                                      </p:cBhvr>
+                                      <p:to>
+                                        <p:strVal val="visible"/>
+                                      </p:to>
+                                    </p:set>
+                                  </p:childTnLst>
+                                </p:cTn>
+                              </p:par>
+                            </p:childTnLst>
+                          </p:cTn>
+                        </p:par>
+                      </p:childTnLst>
+                    </p:cTn>
+                  </p:par>
+                  <p:par>
+                    <p:cTn id="7" fill="hold">
+                      <p:stCondLst>
+                        <p:cond delay="indefinite"/>
+                      </p:stCondLst>
+                      <p:childTnLst>
+                        <p:par>
+                          <p:cTn id="8" fill="hold">
+                            <p:stCondLst>
+                              <p:cond delay="0"/>
+                            </p:stCondLst>
+                            <p:childTnLst>
+                              <p:par>
+                                <p:cTn id="9" presetID="1" presetClass="entr" presetSubtype="0" fill="hold" nodeType="clickEffect">
+                                  <p:stCondLst>
+                                    <p:cond delay="0"/>
+                                  </p:stCondLst>
+                                  <p:childTnLst>
+                                    <p:set>
+                                      <p:cBhvr>
+                                        <p:cTn id="10" dur="1" fill="hold">
+                                          <p:stCondLst>
+                                            <p:cond delay="0"/>
+                                          </p:stCondLst>
+                                        </p:cTn>
+                                        <p:tgtEl>
+                                          <p:spTgt spid="3">
+                                            <p:txEl>
+                                              <p:pRg st="2" end="2"/>
+                                            </p:txEl>
+                                          </p:spTgt>
+                                        </p:tgtEl>
+                                        <p:attrNameLst>
+                                          <p:attrName>style.visibility</p:attrName>
+                                        </p:attrNameLst>
+                                      </p:cBhvr>
+                                      <p:to>
+                                        <p:strVal val="visible"/>
+                                      </p:to>
+                                    </p:set>
+                                  </p:childTnLst>
+                                </p:cTn>
+                              </p:par>
+                            </p:childTnLst>
+                          </p:cTn>
+                        </p:par>
+                      </p:childTnLst>
+                    </p:cTn>
+                  </p:par>
+                  <p:par>
+                    <p:cTn id="11" fill="hold">
+                      <p:stCondLst>
+                        <p:cond delay="indefinite"/>
+                      </p:stCondLst>
+                      <p:childTnLst>
+                        <p:par>
+                          <p:cTn id="12" fill="hold">
+                            <p:stCondLst>
+                              <p:cond delay="0"/>
+                            </p:stCondLst>
+                            <p:childTnLst>
+                              <p:par>
+                                <p:cTn id="13" presetID="10" presetClass="entr" presetSubtype="0" fill="hold" nodeType="clickEffect">
+                                  <p:stCondLst>
+                                    <p:cond delay="0"/>
+                                  </p:stCondLst>
+                                  <p:childTnLst>
+                                    <p:set>
+                                      <p:cBhvr>
+                                        <p:cTn id="14" dur="1" fill="hold">
+                                          <p:stCondLst>
+                                            <p:cond delay="0"/>
+                                          </p:stCondLst>
+                                        </p:cTn>
+                                        <p:tgtEl>
+                                          <p:spTgt spid="3">
+                                            <p:txEl>
+                                              <p:pRg st="3" end="3"/>
+                                            </p:txEl>
+                                          </p:spTgt>
+                                        </p:tgtEl>
+                                        <p:attrNameLst>
+                                          <p:attrName>style.visibility</p:attrName>
+                                        </p:attrNameLst>
+                                      </p:cBhvr>
+                                      <p:to>
+                                        <p:strVal val="visible"/>
+                                      </p:to>
+                                    </p:set>
+                                    <p:animEffect transition="in" filter="fade">
+                                      <p:cBhvr>
+                                        <p:cTn id="15" dur="500"/>
+                                        <p:tgtEl>
+                                          <p:spTgt spid="3">
+                                            <p:txEl>
+                                              <p:pRg st="3" end="3"/>
+                                            </p:txEl>
+                                          </p:spTgt>
+                                        </p:tgtEl>
+                                      </p:cBhvr>
+                                    </p:animEffect>
+                                  </p:childTnLst>
+                                </p:cTn>
+                              </p:par>
+                            </p:childTnLst>
+                          </p:cTn>
+                        </p:par>
+                      </p:childTnLst>
+                    </p:cTn>
+                  </p:par>
+                </p:childTnLst>
+              </p:cTn>
+              <p:prevCondLst>
+                <p:cond evt="onPrev" delay="0">
+                  <p:tgtEl>
+                    <p:sldTgt/>
+                  </p:tgtEl>
+                </p:cond>
+              </p:prevCondLst>
+              <p:nextCondLst>
+                <p:cond evt="onNext" delay="0">
+                  <p:tgtEl>
+                    <p:sldTgt/>
+                  </p:tgtEl>
+                </p:cond>
+              </p:nextCondLst>
+            </p:seq>
+          </p:childTnLst>
+        </p:cTn>
+      </p:par>
+    </p:tnLst>
+  </p:timing>
+</p:sld>
+</file>
+
+<file path=ppt/slides/slide15.xml><?xml version="1.0" encoding="utf-8"?>
+<p:sld xmlns:a="http://schemas.openxmlformats.org/drawingml/2006/main" xmlns:r="http://schemas.openxmlformats.org/officeDocument/2006/relationships" xmlns:p="http://schemas.openxmlformats.org/presentationml/2006/main">
+  <p:cSld>
+    <p:spTree>
+      <p:nvGrpSpPr>
+        <p:cNvPr id="1" name=""/>
+        <p:cNvGrpSpPr/>
+        <p:nvPr/>
+      </p:nvGrpSpPr>
+      <p:grpSpPr>
+        <a:xfrm>
+          <a:off x="0" y="0"/>
+          <a:ext cx="0" cy="0"/>
+          <a:chOff x="0" y="0"/>
+          <a:chExt cx="0" cy="0"/>
+        </a:xfrm>
+      </p:grpSpPr>
+      <p:sp>
+        <p:nvSpPr>
           <p:cNvPr id="6" name="TextBox 5"/>
           <p:cNvSpPr txBox="1"/>
           <p:nvPr/>
@@ -3906,7 +4905,7 @@
                     <a:srgbClr val="FF0000"/>
                   </a:solidFill>
                 </a:rPr>
-                <a:t>Bernoulli likelihood</a:t>
+                <a:t>Bernoulli log likelihood</a:t>
               </a:r>
               <a:endParaRPr lang="en-US" dirty="0">
                 <a:solidFill>
@@ -4217,18 +5216,15 @@
             </a:pPr>
             <a:r>
               <a:rPr lang="en-US" sz="2800" dirty="0" smtClean="0"/>
-              <a:t>Some other sorts of constraint optimization.</a:t>
-            </a:r>
-          </a:p>
-          <a:p>
-            <a:pPr lvl="2">
-              <a:spcBef>
-                <a:spcPts val="600"/>
-              </a:spcBef>
-            </a:pPr>
+              <a:t>Some other sorts of </a:t>
+            </a:r>
             <a:r>
               <a:rPr lang="en-US" sz="2800" dirty="0" smtClean="0"/>
-              <a:t>Expectation Maximization problem.</a:t>
+              <a:t>optimization</a:t>
+            </a:r>
+            <a:r>
+              <a:rPr lang="en-US" sz="2800" dirty="0" smtClean="0"/>
+              <a:t>.</a:t>
             </a:r>
           </a:p>
           <a:p>
@@ -4239,7 +5235,7 @@
             </a:pPr>
             <a:r>
               <a:rPr lang="en-US" sz="2600" dirty="0" smtClean="0"/>
-              <a:t>Maximization step: </a:t>
+              <a:t>Expectation Maximization problem.</a:t>
             </a:r>
           </a:p>
           <a:p>
@@ -4253,40 +5249,6 @@
           </a:p>
         </p:txBody>
       </p:sp>
-      <p:pic>
-        <p:nvPicPr>
-          <p:cNvPr id="5" name="Picture 4"/>
-          <p:cNvPicPr>
-            <a:picLocks noChangeAspect="1"/>
-          </p:cNvPicPr>
-          <p:nvPr>
-            <p:custDataLst>
-              <p:tags r:id="rId1"/>
-            </p:custDataLst>
-          </p:nvPr>
-        </p:nvPicPr>
-        <p:blipFill>
-          <a:blip r:embed="rId3" cstate="print">
-            <a:extLst>
-              <a:ext uri="{28A0092B-C50C-407E-A947-70E740481C1C}">
-                <a14:useLocalDpi xmlns:a14="http://schemas.microsoft.com/office/drawing/2010/main" val="0"/>
-              </a:ext>
-            </a:extLst>
-          </a:blip>
-          <a:stretch>
-            <a:fillRect/>
-          </a:stretch>
-        </p:blipFill>
-        <p:spPr>
-          <a:xfrm>
-            <a:off x="5256690" y="4411095"/>
-            <a:ext cx="5736838" cy="425905"/>
-          </a:xfrm>
-          <a:prstGeom prst="rect">
-            <a:avLst/>
-          </a:prstGeom>
-        </p:spPr>
-      </p:pic>
     </p:spTree>
     <p:extLst>
       <p:ext uri="{BB962C8B-B14F-4D97-AF65-F5344CB8AC3E}">
@@ -4581,100 +5543,6 @@
                                               <p:pRg st="5" end="5"/>
                                             </p:txEl>
                                           </p:spTgt>
-                                        </p:tgtEl>
-                                        <p:attrNameLst>
-                                          <p:attrName>style.visibility</p:attrName>
-                                        </p:attrNameLst>
-                                      </p:cBhvr>
-                                      <p:to>
-                                        <p:strVal val="visible"/>
-                                      </p:to>
-                                    </p:set>
-                                  </p:childTnLst>
-                                </p:cTn>
-                              </p:par>
-                            </p:childTnLst>
-                          </p:cTn>
-                        </p:par>
-                      </p:childTnLst>
-                    </p:cTn>
-                  </p:par>
-                  <p:par>
-                    <p:cTn id="27" fill="hold">
-                      <p:stCondLst>
-                        <p:cond delay="indefinite"/>
-                      </p:stCondLst>
-                      <p:childTnLst>
-                        <p:par>
-                          <p:cTn id="28" fill="hold">
-                            <p:stCondLst>
-                              <p:cond delay="0"/>
-                            </p:stCondLst>
-                            <p:childTnLst>
-                              <p:par>
-                                <p:cTn id="29" presetID="1" presetClass="entr" presetSubtype="0" fill="hold" nodeType="clickEffect">
-                                  <p:stCondLst>
-                                    <p:cond delay="0"/>
-                                  </p:stCondLst>
-                                  <p:childTnLst>
-                                    <p:set>
-                                      <p:cBhvr>
-                                        <p:cTn id="30" dur="1" fill="hold">
-                                          <p:stCondLst>
-                                            <p:cond delay="0"/>
-                                          </p:stCondLst>
-                                        </p:cTn>
-                                        <p:tgtEl>
-                                          <p:spTgt spid="3">
-                                            <p:txEl>
-                                              <p:pRg st="6" end="6"/>
-                                            </p:txEl>
-                                          </p:spTgt>
-                                        </p:tgtEl>
-                                        <p:attrNameLst>
-                                          <p:attrName>style.visibility</p:attrName>
-                                        </p:attrNameLst>
-                                      </p:cBhvr>
-                                      <p:to>
-                                        <p:strVal val="visible"/>
-                                      </p:to>
-                                    </p:set>
-                                  </p:childTnLst>
-                                </p:cTn>
-                              </p:par>
-                            </p:childTnLst>
-                          </p:cTn>
-                        </p:par>
-                      </p:childTnLst>
-                    </p:cTn>
-                  </p:par>
-                  <p:par>
-                    <p:cTn id="31" fill="hold">
-                      <p:stCondLst>
-                        <p:cond delay="indefinite"/>
-                      </p:stCondLst>
-                      <p:childTnLst>
-                        <p:par>
-                          <p:cTn id="32" fill="hold">
-                            <p:stCondLst>
-                              <p:cond delay="0"/>
-                            </p:stCondLst>
-                            <p:childTnLst>
-                              <p:par>
-                                <p:cTn id="33" presetID="1" presetClass="entr" presetSubtype="0" fill="hold" nodeType="clickEffect">
-                                  <p:stCondLst>
-                                    <p:cond delay="0"/>
-                                  </p:stCondLst>
-                                  <p:childTnLst>
-                                    <p:set>
-                                      <p:cBhvr>
-                                        <p:cTn id="34" dur="1" fill="hold">
-                                          <p:stCondLst>
-                                            <p:cond delay="0"/>
-                                          </p:stCondLst>
-                                        </p:cTn>
-                                        <p:tgtEl>
-                                          <p:spTgt spid="5"/>
                                         </p:tgtEl>
                                         <p:attrNameLst>
                                           <p:attrName>style.visibility</p:attrName>
@@ -5174,6 +6042,102 @@
           </p:style>
         </p:cxnSp>
       </p:grpSp>
+      <p:sp>
+        <p:nvSpPr>
+          <p:cNvPr id="7" name="Rectangle 6"/>
+          <p:cNvSpPr/>
+          <p:nvPr/>
+        </p:nvSpPr>
+        <p:spPr>
+          <a:xfrm>
+            <a:off x="5426439" y="4399613"/>
+            <a:ext cx="3964899" cy="614597"/>
+          </a:xfrm>
+          <a:prstGeom prst="rect">
+            <a:avLst/>
+          </a:prstGeom>
+          <a:solidFill>
+            <a:schemeClr val="bg1"/>
+          </a:solidFill>
+          <a:ln>
+            <a:solidFill>
+              <a:schemeClr val="bg1"/>
+            </a:solidFill>
+          </a:ln>
+        </p:spPr>
+        <p:style>
+          <a:lnRef idx="2">
+            <a:schemeClr val="accent1">
+              <a:shade val="50000"/>
+            </a:schemeClr>
+          </a:lnRef>
+          <a:fillRef idx="1">
+            <a:schemeClr val="accent1"/>
+          </a:fillRef>
+          <a:effectRef idx="0">
+            <a:schemeClr val="accent1"/>
+          </a:effectRef>
+          <a:fontRef idx="minor">
+            <a:schemeClr val="lt1"/>
+          </a:fontRef>
+        </p:style>
+        <p:txBody>
+          <a:bodyPr rtlCol="0" anchor="ctr"/>
+          <a:lstStyle/>
+          <a:p>
+            <a:pPr algn="ctr"/>
+            <a:endParaRPr lang="en-US"/>
+          </a:p>
+        </p:txBody>
+      </p:sp>
+      <p:sp>
+        <p:nvSpPr>
+          <p:cNvPr id="18" name="Rectangle 17"/>
+          <p:cNvSpPr/>
+          <p:nvPr/>
+        </p:nvSpPr>
+        <p:spPr>
+          <a:xfrm>
+            <a:off x="7069544" y="2368446"/>
+            <a:ext cx="2321793" cy="1056967"/>
+          </a:xfrm>
+          <a:prstGeom prst="rect">
+            <a:avLst/>
+          </a:prstGeom>
+          <a:solidFill>
+            <a:schemeClr val="bg1"/>
+          </a:solidFill>
+          <a:ln>
+            <a:solidFill>
+              <a:schemeClr val="bg1"/>
+            </a:solidFill>
+          </a:ln>
+        </p:spPr>
+        <p:style>
+          <a:lnRef idx="2">
+            <a:schemeClr val="accent1">
+              <a:shade val="50000"/>
+            </a:schemeClr>
+          </a:lnRef>
+          <a:fillRef idx="1">
+            <a:schemeClr val="accent1"/>
+          </a:fillRef>
+          <a:effectRef idx="0">
+            <a:schemeClr val="accent1"/>
+          </a:effectRef>
+          <a:fontRef idx="minor">
+            <a:schemeClr val="lt1"/>
+          </a:fontRef>
+        </p:style>
+        <p:txBody>
+          <a:bodyPr rtlCol="0" anchor="ctr"/>
+          <a:lstStyle/>
+          <a:p>
+            <a:pPr algn="ctr"/>
+            <a:endParaRPr lang="en-US"/>
+          </a:p>
+        </p:txBody>
+      </p:sp>
     </p:spTree>
     <p:extLst>
       <p:ext uri="{BB962C8B-B14F-4D97-AF65-F5344CB8AC3E}">
@@ -6470,51 +7434,6 @@
                       </p:childTnLst>
                     </p:cTn>
                   </p:par>
-                  <p:par>
-                    <p:cTn id="15" fill="hold">
-                      <p:stCondLst>
-                        <p:cond delay="indefinite"/>
-                      </p:stCondLst>
-                      <p:childTnLst>
-                        <p:par>
-                          <p:cTn id="16" fill="hold">
-                            <p:stCondLst>
-                              <p:cond delay="0"/>
-                            </p:stCondLst>
-                            <p:childTnLst>
-                              <p:par>
-                                <p:cTn id="17" presetID="1" presetClass="entr" presetSubtype="0" fill="hold" nodeType="clickEffect">
-                                  <p:stCondLst>
-                                    <p:cond delay="0"/>
-                                  </p:stCondLst>
-                                  <p:childTnLst>
-                                    <p:set>
-                                      <p:cBhvr>
-                                        <p:cTn id="18" dur="1" fill="hold">
-                                          <p:stCondLst>
-                                            <p:cond delay="0"/>
-                                          </p:stCondLst>
-                                        </p:cTn>
-                                        <p:tgtEl>
-                                          <p:spTgt spid="8"/>
-                                        </p:tgtEl>
-                                        <p:attrNameLst>
-                                          <p:attrName>style.visibility</p:attrName>
-                                        </p:attrNameLst>
-                                      </p:cBhvr>
-                                      <p:to>
-                                        <p:strVal val="visible"/>
-                                      </p:to>
-                                    </p:set>
-                                  </p:childTnLst>
-                                </p:cTn>
-                              </p:par>
-                            </p:childTnLst>
-                          </p:cTn>
-                        </p:par>
-                      </p:childTnLst>
-                    </p:cTn>
-                  </p:par>
                 </p:childTnLst>
               </p:cTn>
               <p:prevCondLst>
@@ -6585,7 +7504,7 @@
                   <a:srgbClr val="FF0000"/>
                 </a:solidFill>
               </a:rPr>
-              <a:t>Go here for tutorial code</a:t>
+              <a:t>Go here for tutorial code, we will do this demo live.</a:t>
             </a:r>
           </a:p>
           <a:p>
@@ -6733,14 +7652,16 @@
           </a:xfrm>
         </p:spPr>
         <p:txBody>
-          <a:bodyPr/>
+          <a:bodyPr>
+            <a:normAutofit/>
+          </a:bodyPr>
           <a:lstStyle/>
           <a:p>
             <a:pPr marL="0" indent="0">
               <a:buNone/>
             </a:pPr>
             <a:r>
-              <a:rPr lang="en-US" dirty="0" smtClean="0"/>
+              <a:rPr lang="en-US" sz="2400" dirty="0" smtClean="0"/>
               <a:t>First, we load the libraries </a:t>
             </a:r>
           </a:p>
@@ -6748,14 +7669,14 @@
             <a:pPr marL="0" indent="0">
               <a:buNone/>
             </a:pPr>
-            <a:endParaRPr lang="en-US" dirty="0" smtClean="0"/>
+            <a:endParaRPr lang="en-US" sz="2400" dirty="0" smtClean="0"/>
           </a:p>
           <a:p>
             <a:pPr marL="0" indent="0">
               <a:buNone/>
             </a:pPr>
             <a:r>
-              <a:rPr lang="en-US" dirty="0" smtClean="0"/>
+              <a:rPr lang="en-US" sz="2400" dirty="0" smtClean="0"/>
               <a:t> </a:t>
             </a:r>
           </a:p>
@@ -6763,7 +7684,7 @@
             <a:pPr marL="0" indent="0">
               <a:buNone/>
             </a:pPr>
-            <a:endParaRPr lang="en-US" dirty="0"/>
+            <a:endParaRPr lang="en-US" sz="2400" dirty="0"/>
           </a:p>
         </p:txBody>
       </p:sp>
@@ -6842,7 +7763,7 @@
         </p:nvSpPr>
         <p:spPr>
           <a:xfrm>
-            <a:off x="759542" y="2193461"/>
+            <a:off x="891350" y="2193461"/>
             <a:ext cx="3826320" cy="400110"/>
           </a:xfrm>
           <a:prstGeom prst="rect">
@@ -6888,7 +7809,7 @@
         </p:blipFill>
         <p:spPr>
           <a:xfrm>
-            <a:off x="244960" y="2239769"/>
+            <a:off x="376768" y="2239769"/>
             <a:ext cx="578347" cy="323024"/>
           </a:xfrm>
           <a:prstGeom prst="rect">
@@ -6918,7 +7839,7 @@
         </p:blipFill>
         <p:spPr>
           <a:xfrm>
-            <a:off x="244960" y="2827744"/>
+            <a:off x="376768" y="2827744"/>
             <a:ext cx="6249272" cy="3296110"/>
           </a:xfrm>
           <a:prstGeom prst="rect">
@@ -6952,7 +7873,7 @@
         </p:blipFill>
         <p:spPr>
           <a:xfrm>
-            <a:off x="244960" y="589386"/>
+            <a:off x="376768" y="589386"/>
             <a:ext cx="3753475" cy="1222418"/>
           </a:xfrm>
           <a:prstGeom prst="rect">
@@ -7047,11 +7968,11 @@
 <file path=ppt/tags/tag1.xml><?xml version="1.0" encoding="utf-8"?>
 <p:tagLst xmlns:a="http://schemas.openxmlformats.org/drawingml/2006/main" xmlns:r="http://schemas.openxmlformats.org/officeDocument/2006/relationships" xmlns:p="http://schemas.openxmlformats.org/presentationml/2006/main">
   <p:tag name="OUTPUTDPI" val="1200"/>
-  <p:tag name="ORIGINALHEIGHT" val="161.2298"/>
-  <p:tag name="ORIGINALWIDTH" val="2171.729"/>
-  <p:tag name="LATEXADDIN" val="\documentclass{article}&#10;\usepackage{amsmath}&#10;\pagestyle{empty}&#10;\begin{document}&#10;&#10;$\theta^{(t+1)}=\arg\max_\theta E_{Z|X,\theta^{(t)}} \log L(X|Z,\theta) $&#10;&#10;&#10;\end{document}"/>
-  <p:tag name="IGUANATEXSIZE" val="26"/>
-  <p:tag name="IGUANATEXCURSOR" val="154"/>
+  <p:tag name="ORIGINALHEIGHT" val="134.2332"/>
+  <p:tag name="ORIGINALWIDTH" val="1028.121"/>
+  <p:tag name="LATEXADDIN" val="\documentclass{article}&#10;\usepackage{amsmath}&#10;\pagestyle{empty}&#10;\begin{document}&#10;&#10;$\Delta(yy^\prime)=||y-y^\prime||_2^2$&#10;&#10;&#10;\end{document}"/>
+  <p:tag name="IGUANATEXSIZE" val="20"/>
+  <p:tag name="IGUANATEXCURSOR" val="118"/>
   <p:tag name="TRANSPARENCY" val="True"/>
   <p:tag name="FILENAME" val=""/>
   <p:tag name="LATEXENGINEID" val="0"/>
@@ -7066,11 +7987,11 @@
 <file path=ppt/tags/tag10.xml><?xml version="1.0" encoding="utf-8"?>
 <p:tagLst xmlns:a="http://schemas.openxmlformats.org/drawingml/2006/main" xmlns:r="http://schemas.openxmlformats.org/officeDocument/2006/relationships" xmlns:p="http://schemas.openxmlformats.org/presentationml/2006/main">
   <p:tag name="OUTPUTDPI" val="1200"/>
-  <p:tag name="ORIGINALHEIGHT" val="478.4402"/>
-  <p:tag name="ORIGINALWIDTH" val="2133.483"/>
-  <p:tag name="LATEXADDIN" val="\documentclass{article}&#10;\usepackage{amsmath}&#10;\pagestyle{empty}&#10;\begin{document}&#10;&#10;\begin{align*}&#10;\hat{y}&amp;=\arg\max_{y^\prime} \text{ } w^T \phi(x,y^{\prime})+ ||y-y^\prime||^2\\&#10;&amp;=\arg\max_{y^\prime} \text{ } w^T(y^{\prime}\odot f(x)) + ||y-y^\prime||^2&#10;\end{align*}&#10;&#10;\end{document}"/>
-  <p:tag name="IGUANATEXSIZE" val="20"/>
-  <p:tag name="IGUANATEXCURSOR" val="211"/>
+  <p:tag name="ORIGINALHEIGHT" val="92.98835"/>
+  <p:tag name="ORIGINALWIDTH" val="313.4608"/>
+  <p:tag name="LATEXADDIN" val="\documentclass{article}&#10;\usepackage{amsmath}&#10;\pagestyle{empty}&#10;\begin{document}&#10;&#10;$y_i \in y$ &#10;&#10;&#10;\end{document}"/>
+  <p:tag name="IGUANATEXSIZE" val="28"/>
+  <p:tag name="IGUANATEXCURSOR" val="90"/>
   <p:tag name="TRANSPARENCY" val="True"/>
   <p:tag name="FILENAME" val=""/>
   <p:tag name="LATEXENGINEID" val="0"/>
@@ -7104,11 +8025,11 @@
 <file path=ppt/tags/tag12.xml><?xml version="1.0" encoding="utf-8"?>
 <p:tagLst xmlns:a="http://schemas.openxmlformats.org/drawingml/2006/main" xmlns:r="http://schemas.openxmlformats.org/officeDocument/2006/relationships" xmlns:p="http://schemas.openxmlformats.org/presentationml/2006/main">
   <p:tag name="OUTPUTDPI" val="1200"/>
-  <p:tag name="ORIGINALHEIGHT" val="92.98835"/>
-  <p:tag name="ORIGINALWIDTH" val="313.4608"/>
-  <p:tag name="LATEXADDIN" val="\documentclass{article}&#10;\usepackage{amsmath}&#10;\pagestyle{empty}&#10;\begin{document}&#10;&#10;$y_i \in y$ &#10;&#10;&#10;\end{document}"/>
-  <p:tag name="IGUANATEXSIZE" val="28"/>
-  <p:tag name="IGUANATEXCURSOR" val="90"/>
+  <p:tag name="ORIGINALHEIGHT" val="478.4402"/>
+  <p:tag name="ORIGINALWIDTH" val="1469.066"/>
+  <p:tag name="LATEXADDIN" val="\documentclass{article}&#10;\usepackage{amsmath}&#10;\pagestyle{empty}&#10;\begin{document}&#10;&#10;\begin{align*}&#10;\hat{y}&amp;=\arg\max_{y^\prime} \text{ } w^T\phi(x,y^{\prime})\\&#10;&amp;=\arg\max_{y^\prime} \text{ } w^T ( y^{\prime}\odot f(x))&#10;\end{align*}&#10;&#10;\end{document}"/>
+  <p:tag name="IGUANATEXSIZE" val="20"/>
+  <p:tag name="IGUANATEXCURSOR" val="216"/>
   <p:tag name="TRANSPARENCY" val="True"/>
   <p:tag name="FILENAME" val=""/>
   <p:tag name="LATEXENGINEID" val="0"/>
@@ -7121,6 +8042,25 @@
 </file>
 
 <file path=ppt/tags/tag13.xml><?xml version="1.0" encoding="utf-8"?>
+<p:tagLst xmlns:a="http://schemas.openxmlformats.org/drawingml/2006/main" xmlns:r="http://schemas.openxmlformats.org/officeDocument/2006/relationships" xmlns:p="http://schemas.openxmlformats.org/presentationml/2006/main">
+  <p:tag name="OUTPUTDPI" val="1200"/>
+  <p:tag name="ORIGINALHEIGHT" val="125.2343"/>
+  <p:tag name="ORIGINALWIDTH" val="224.222"/>
+  <p:tag name="LATEXADDIN" val="\documentclass{article}&#10;\usepackage{amsmath}&#10;\pagestyle{empty}&#10;\begin{document}&#10;&#10;$f(x)$&#10;&#10;&#10;\end{document}"/>
+  <p:tag name="IGUANATEXSIZE" val="20"/>
+  <p:tag name="IGUANATEXCURSOR" val="82"/>
+  <p:tag name="TRANSPARENCY" val="True"/>
+  <p:tag name="FILENAME" val=""/>
+  <p:tag name="LATEXENGINEID" val="0"/>
+  <p:tag name="TEMPFOLDER" val="c:\temp\"/>
+  <p:tag name="LATEXFORMHEIGHT" val="312"/>
+  <p:tag name="LATEXFORMWIDTH" val="384"/>
+  <p:tag name="LATEXFORMWRAP" val="True"/>
+  <p:tag name="BITMAPVECTOR" val="0"/>
+</p:tagLst>
+</file>
+
+<file path=ppt/tags/tag14.xml><?xml version="1.0" encoding="utf-8"?>
 <p:tagLst xmlns:a="http://schemas.openxmlformats.org/drawingml/2006/main" xmlns:r="http://schemas.openxmlformats.org/officeDocument/2006/relationships" xmlns:p="http://schemas.openxmlformats.org/presentationml/2006/main">
   <p:tag name="OUTPUTDPI" val="1200"/>
   <p:tag name="ORIGINALHEIGHT" val="478.4402"/>
@@ -7139,45 +8079,7 @@
 </p:tagLst>
 </file>
 
-<file path=ppt/tags/tag14.xml><?xml version="1.0" encoding="utf-8"?>
-<p:tagLst xmlns:a="http://schemas.openxmlformats.org/drawingml/2006/main" xmlns:r="http://schemas.openxmlformats.org/officeDocument/2006/relationships" xmlns:p="http://schemas.openxmlformats.org/presentationml/2006/main">
-  <p:tag name="OUTPUTDPI" val="1200"/>
-  <p:tag name="ORIGINALHEIGHT" val="125.2343"/>
-  <p:tag name="ORIGINALWIDTH" val="224.222"/>
-  <p:tag name="LATEXADDIN" val="\documentclass{article}&#10;\usepackage{amsmath}&#10;\pagestyle{empty}&#10;\begin{document}&#10;&#10;$f(x)$&#10;&#10;&#10;\end{document}"/>
-  <p:tag name="IGUANATEXSIZE" val="20"/>
-  <p:tag name="IGUANATEXCURSOR" val="82"/>
-  <p:tag name="TRANSPARENCY" val="True"/>
-  <p:tag name="FILENAME" val=""/>
-  <p:tag name="LATEXENGINEID" val="0"/>
-  <p:tag name="TEMPFOLDER" val="c:\temp\"/>
-  <p:tag name="LATEXFORMHEIGHT" val="312"/>
-  <p:tag name="LATEXFORMWIDTH" val="384"/>
-  <p:tag name="LATEXFORMWRAP" val="True"/>
-  <p:tag name="BITMAPVECTOR" val="0"/>
-</p:tagLst>
-</file>
-
 <file path=ppt/tags/tag15.xml><?xml version="1.0" encoding="utf-8"?>
-<p:tagLst xmlns:a="http://schemas.openxmlformats.org/drawingml/2006/main" xmlns:r="http://schemas.openxmlformats.org/officeDocument/2006/relationships" xmlns:p="http://schemas.openxmlformats.org/presentationml/2006/main">
-  <p:tag name="OUTPUTDPI" val="1200"/>
-  <p:tag name="ORIGINALHEIGHT" val="478.4402"/>
-  <p:tag name="ORIGINALWIDTH" val="1469.066"/>
-  <p:tag name="LATEXADDIN" val="\documentclass{article}&#10;\usepackage{amsmath}&#10;\pagestyle{empty}&#10;\begin{document}&#10;&#10;\begin{align*}&#10;\hat{y}&amp;=\arg\max_{y^\prime} \text{ } w^T\phi(x,y^{\prime})\\&#10;&amp;=\arg\max_{y^\prime} \text{ } w^T ( y^{\prime}\odot f(x))&#10;\end{align*}&#10;&#10;\end{document}"/>
-  <p:tag name="IGUANATEXSIZE" val="20"/>
-  <p:tag name="IGUANATEXCURSOR" val="216"/>
-  <p:tag name="TRANSPARENCY" val="True"/>
-  <p:tag name="FILENAME" val=""/>
-  <p:tag name="LATEXENGINEID" val="0"/>
-  <p:tag name="TEMPFOLDER" val="c:\temp\"/>
-  <p:tag name="LATEXFORMHEIGHT" val="312"/>
-  <p:tag name="LATEXFORMWIDTH" val="384"/>
-  <p:tag name="LATEXFORMWRAP" val="True"/>
-  <p:tag name="BITMAPVECTOR" val="0"/>
-</p:tagLst>
-</file>
-
-<file path=ppt/tags/tag16.xml><?xml version="1.0" encoding="utf-8"?>
 <p:tagLst xmlns:a="http://schemas.openxmlformats.org/drawingml/2006/main" xmlns:r="http://schemas.openxmlformats.org/officeDocument/2006/relationships" xmlns:p="http://schemas.openxmlformats.org/presentationml/2006/main">
   <p:tag name="OUTPUTDPI" val="1200"/>
   <p:tag name="ORIGINALHEIGHT" val="140.9824"/>
@@ -7196,7 +8098,7 @@
 </p:tagLst>
 </file>
 
-<file path=ppt/tags/tag17.xml><?xml version="1.0" encoding="utf-8"?>
+<file path=ppt/tags/tag16.xml><?xml version="1.0" encoding="utf-8"?>
 <p:tagLst xmlns:a="http://schemas.openxmlformats.org/drawingml/2006/main" xmlns:r="http://schemas.openxmlformats.org/officeDocument/2006/relationships" xmlns:p="http://schemas.openxmlformats.org/presentationml/2006/main">
   <p:tag name="OUTPUTDPI" val="1200"/>
   <p:tag name="ORIGINALHEIGHT" val="478.4402"/>
@@ -7218,25 +8120,6 @@
 <file path=ppt/tags/tag2.xml><?xml version="1.0" encoding="utf-8"?>
 <p:tagLst xmlns:a="http://schemas.openxmlformats.org/drawingml/2006/main" xmlns:r="http://schemas.openxmlformats.org/officeDocument/2006/relationships" xmlns:p="http://schemas.openxmlformats.org/presentationml/2006/main">
   <p:tag name="OUTPUTDPI" val="1200"/>
-  <p:tag name="ORIGINALHEIGHT" val="134.2332"/>
-  <p:tag name="ORIGINALWIDTH" val="1028.121"/>
-  <p:tag name="LATEXADDIN" val="\documentclass{article}&#10;\usepackage{amsmath}&#10;\pagestyle{empty}&#10;\begin{document}&#10;&#10;$\Delta(yy^\prime)=||y-y^\prime||_2^2$&#10;&#10;&#10;\end{document}"/>
-  <p:tag name="IGUANATEXSIZE" val="20"/>
-  <p:tag name="IGUANATEXCURSOR" val="118"/>
-  <p:tag name="TRANSPARENCY" val="True"/>
-  <p:tag name="FILENAME" val=""/>
-  <p:tag name="LATEXENGINEID" val="0"/>
-  <p:tag name="TEMPFOLDER" val="c:\temp\"/>
-  <p:tag name="LATEXFORMHEIGHT" val="312"/>
-  <p:tag name="LATEXFORMWIDTH" val="384"/>
-  <p:tag name="LATEXFORMWRAP" val="True"/>
-  <p:tag name="BITMAPVECTOR" val="0"/>
-</p:tagLst>
-</file>
-
-<file path=ppt/tags/tag3.xml><?xml version="1.0" encoding="utf-8"?>
-<p:tagLst xmlns:a="http://schemas.openxmlformats.org/drawingml/2006/main" xmlns:r="http://schemas.openxmlformats.org/officeDocument/2006/relationships" xmlns:p="http://schemas.openxmlformats.org/presentationml/2006/main">
-  <p:tag name="OUTPUTDPI" val="1200"/>
   <p:tag name="ORIGINALHEIGHT" val="140.9824"/>
   <p:tag name="ORIGINALWIDTH" val="1367.829"/>
   <p:tag name="LATEXADDIN" val="\documentclass{article}&#10;\usepackage{amsmath}&#10;\pagestyle{empty}&#10;\begin{document}&#10;&#10;$\hat{y}=\arg\max_{y^\prime} \text{ } w^T\phi(x,y^{\prime})$&#10;&#10;&#10;\end{document}"/>
@@ -7253,7 +8136,7 @@
 </p:tagLst>
 </file>
 
-<file path=ppt/tags/tag4.xml><?xml version="1.0" encoding="utf-8"?>
+<file path=ppt/tags/tag3.xml><?xml version="1.0" encoding="utf-8"?>
 <p:tagLst xmlns:a="http://schemas.openxmlformats.org/drawingml/2006/main" xmlns:r="http://schemas.openxmlformats.org/officeDocument/2006/relationships" xmlns:p="http://schemas.openxmlformats.org/presentationml/2006/main">
   <p:tag name="OUTPUTDPI" val="1200"/>
   <p:tag name="ORIGINALHEIGHT" val="101.9872"/>
@@ -7272,7 +8155,7 @@
 </p:tagLst>
 </file>
 
-<file path=ppt/tags/tag5.xml><?xml version="1.0" encoding="utf-8"?>
+<file path=ppt/tags/tag4.xml><?xml version="1.0" encoding="utf-8"?>
 <p:tagLst xmlns:a="http://schemas.openxmlformats.org/drawingml/2006/main" xmlns:r="http://schemas.openxmlformats.org/officeDocument/2006/relationships" xmlns:p="http://schemas.openxmlformats.org/presentationml/2006/main">
   <p:tag name="OUTPUTDPI" val="1200"/>
   <p:tag name="ORIGINALHEIGHT" val="125.2343"/>
@@ -7291,7 +8174,7 @@
 </p:tagLst>
 </file>
 
-<file path=ppt/tags/tag6.xml><?xml version="1.0" encoding="utf-8"?>
+<file path=ppt/tags/tag5.xml><?xml version="1.0" encoding="utf-8"?>
 <p:tagLst xmlns:a="http://schemas.openxmlformats.org/drawingml/2006/main" xmlns:r="http://schemas.openxmlformats.org/officeDocument/2006/relationships" xmlns:p="http://schemas.openxmlformats.org/presentationml/2006/main">
   <p:tag name="OUTPUTDPI" val="1200"/>
   <p:tag name="ORIGINALHEIGHT" val="125.2343"/>
@@ -7310,7 +8193,7 @@
 </p:tagLst>
 </file>
 
-<file path=ppt/tags/tag7.xml><?xml version="1.0" encoding="utf-8"?>
+<file path=ppt/tags/tag6.xml><?xml version="1.0" encoding="utf-8"?>
 <p:tagLst xmlns:a="http://schemas.openxmlformats.org/drawingml/2006/main" xmlns:r="http://schemas.openxmlformats.org/officeDocument/2006/relationships" xmlns:p="http://schemas.openxmlformats.org/presentationml/2006/main">
   <p:tag name="OUTPUTDPI" val="1200"/>
   <p:tag name="ORIGINALHEIGHT" val="130.4837"/>
@@ -7329,7 +8212,7 @@
 </p:tagLst>
 </file>
 
-<file path=ppt/tags/tag8.xml><?xml version="1.0" encoding="utf-8"?>
+<file path=ppt/tags/tag7.xml><?xml version="1.0" encoding="utf-8"?>
 <p:tagLst xmlns:a="http://schemas.openxmlformats.org/drawingml/2006/main" xmlns:r="http://schemas.openxmlformats.org/officeDocument/2006/relationships" xmlns:p="http://schemas.openxmlformats.org/presentationml/2006/main">
   <p:tag name="OUTPUTDPI" val="1200"/>
   <p:tag name="ORIGINALHEIGHT" val="478.4402"/>
@@ -7348,7 +8231,7 @@
 </p:tagLst>
 </file>
 
-<file path=ppt/tags/tag9.xml><?xml version="1.0" encoding="utf-8"?>
+<file path=ppt/tags/tag8.xml><?xml version="1.0" encoding="utf-8"?>
 <p:tagLst xmlns:a="http://schemas.openxmlformats.org/drawingml/2006/main" xmlns:r="http://schemas.openxmlformats.org/officeDocument/2006/relationships" xmlns:p="http://schemas.openxmlformats.org/presentationml/2006/main">
   <p:tag name="OUTPUTDPI" val="1200"/>
   <p:tag name="ORIGINALHEIGHT" val="134.2332"/>
@@ -7356,6 +8239,25 @@
   <p:tag name="LATEXADDIN" val="\documentclass{article}&#10;\usepackage{amsmath}&#10;\pagestyle{empty}&#10;\begin{document}&#10;&#10;$\Delta(yy^\prime)=||y-y^\prime||_2^2$&#10;&#10;&#10;\end{document}"/>
   <p:tag name="IGUANATEXSIZE" val="20"/>
   <p:tag name="IGUANATEXCURSOR" val="118"/>
+  <p:tag name="TRANSPARENCY" val="True"/>
+  <p:tag name="FILENAME" val=""/>
+  <p:tag name="LATEXENGINEID" val="0"/>
+  <p:tag name="TEMPFOLDER" val="c:\temp\"/>
+  <p:tag name="LATEXFORMHEIGHT" val="312"/>
+  <p:tag name="LATEXFORMWIDTH" val="384"/>
+  <p:tag name="LATEXFORMWRAP" val="True"/>
+  <p:tag name="BITMAPVECTOR" val="0"/>
+</p:tagLst>
+</file>
+
+<file path=ppt/tags/tag9.xml><?xml version="1.0" encoding="utf-8"?>
+<p:tagLst xmlns:a="http://schemas.openxmlformats.org/drawingml/2006/main" xmlns:r="http://schemas.openxmlformats.org/officeDocument/2006/relationships" xmlns:p="http://schemas.openxmlformats.org/presentationml/2006/main">
+  <p:tag name="OUTPUTDPI" val="1200"/>
+  <p:tag name="ORIGINALHEIGHT" val="478.4402"/>
+  <p:tag name="ORIGINALWIDTH" val="2133.483"/>
+  <p:tag name="LATEXADDIN" val="\documentclass{article}&#10;\usepackage{amsmath}&#10;\pagestyle{empty}&#10;\begin{document}&#10;&#10;\begin{align*}&#10;\hat{y}&amp;=\arg\max_{y^\prime} \text{ } w^T \phi(x,y^{\prime})+ ||y-y^\prime||^2\\&#10;&amp;=\arg\max_{y^\prime} \text{ } w^T(y^{\prime}\odot f(x)) + ||y-y^\prime||^2&#10;\end{align*}&#10;&#10;\end{document}"/>
+  <p:tag name="IGUANATEXSIZE" val="20"/>
+  <p:tag name="IGUANATEXCURSOR" val="211"/>
   <p:tag name="TRANSPARENCY" val="True"/>
   <p:tag name="FILENAME" val=""/>
   <p:tag name="LATEXENGINEID" val="0"/>
